--- a/report/sim-geostat-survey-report.pptx
+++ b/report/sim-geostat-survey-report.pptx
@@ -6135,7 +6135,7 @@
       </p:sp>
       <p:graphicFrame xmlns:a="http://schemas.openxmlformats.org/drawingml/2006/main" xmlns:r="http://schemas.openxmlformats.org/officeDocument/2006/relationships" xmlns:p="http://schemas.openxmlformats.org/presentationml/2006/main">
         <p:nvGraphicFramePr>
-          <p:cNvPr id="929725114" name=""/>
+          <p:cNvPr id="236909694" name=""/>
           <p:cNvGraphicFramePr>
             <a:graphicFrameLocks noGrp="true"/>
           </p:cNvGraphicFramePr>
@@ -8551,6 +8551,34 @@
             <a:pPr lvl="1"/>
             <a:r>
               <a:rPr/>
+              <a:t>Does using an AR1 spatiotemporal field (without factor levels for years) constrain the model too much and result in hyperstability?</a:t>
+            </a:r>
+          </a:p>
+          <a:p>
+            <a:pPr lvl="1"/>
+            <a:r>
+              <a:rPr/>
+              <a:t>Are there survey designs that result in the model-based index being more or less precise than the design based index?</a:t>
+            </a:r>
+          </a:p>
+          <a:p>
+            <a:pPr lvl="1"/>
+            <a:r>
+              <a:rPr/>
+              <a:t>If the catchability of a survey changed along the time series, say the gear was changed and there was one year of calibration overlap, could the model estimate the catchability (q) offset and provide unbiased estimates of the population available to the contemporary survey as if those gear were used the whole time?</a:t>
+            </a:r>
+          </a:p>
+          <a:p>
+            <a:pPr lvl="1"/>
+            <a:r>
+              <a:rPr/>
+              <a:t>Can we obtain an index at age using a geostatistical model?</a:t>
+            </a:r>
+          </a:p>
+          <a:p>
+            <a:pPr lvl="1"/>
+            <a:r>
+              <a:rPr/>
               <a:t>Does the model sufficiently account for spatial correlation and/or is it sufficiently free of assumption so as not to be affected by the stratified sampling design of the survey?</a:t>
             </a:r>
           </a:p>
@@ -8626,10 +8654,48 @@
           <a:bodyPr/>
           <a:lstStyle/>
           <a:p>
-            <a:pPr lvl="1"/>
+            <a:pPr lvl="1">
+              <a:buAutoNum type="arabicPeriod"/>
+            </a:pPr>
             <a:r>
               <a:rPr/>
-              <a:t>Use SimSurvey and sdmTMB to explore answers to the questions posed above</a:t>
+              <a:t>Simulate a population and a survey and calculate design-based indices using SimSurvey</a:t>
+            </a:r>
+          </a:p>
+          <a:p>
+            <a:pPr lvl="1">
+              <a:buAutoNum type="arabicPeriod"/>
+            </a:pPr>
+            <a:r>
+              <a:rPr/>
+              <a:t>Fit a geostistical model to the simulated survey data using sdmTMB to obtain model-based indices</a:t>
+            </a:r>
+          </a:p>
+          <a:p>
+            <a:pPr lvl="1">
+              <a:buAutoNum type="arabicPeriod"/>
+            </a:pPr>
+            <a:r>
+              <a:rPr/>
+              <a:t>Iterate the population simulation and data analysis</a:t>
+            </a:r>
+          </a:p>
+          <a:p>
+            <a:pPr lvl="1">
+              <a:buAutoNum type="arabicPeriod"/>
+            </a:pPr>
+            <a:r>
+              <a:rPr/>
+              <a:t>Visually assess the bias and precision of the estimates</a:t>
+            </a:r>
+          </a:p>
+          <a:p>
+            <a:pPr lvl="1">
+              <a:buAutoNum type="arabicPeriod"/>
+            </a:pPr>
+            <a:r>
+              <a:rPr/>
+              <a:t>Modify the simulation settings (e.g., impose partial survey coverage) and repeat setps 1-4</a:t>
             </a:r>
           </a:p>
         </p:txBody>

--- a/report/sim-geostat-survey-report.pptx
+++ b/report/sim-geostat-survey-report.pptx
@@ -6135,7 +6135,7 @@
       </p:sp>
       <p:graphicFrame xmlns:a="http://schemas.openxmlformats.org/drawingml/2006/main" xmlns:r="http://schemas.openxmlformats.org/officeDocument/2006/relationships" xmlns:p="http://schemas.openxmlformats.org/presentationml/2006/main">
         <p:nvGraphicFramePr>
-          <p:cNvPr id="236909694" name=""/>
+          <p:cNvPr id="398858946" name=""/>
           <p:cNvGraphicFramePr>
             <a:graphicFrameLocks noGrp="true"/>
           </p:cNvGraphicFramePr>
@@ -8810,6 +8810,36 @@
           </a:p>
         </p:txBody>
       </p:sp>
+      <p:sp>
+        <p:nvSpPr>
+          <p:cNvPr id="3" name="Content Placeholder 2"/>
+          <p:cNvSpPr>
+            <a:spLocks noGrp="1"/>
+          </p:cNvSpPr>
+          <p:nvPr>
+            <p:ph idx="1"/>
+          </p:nvPr>
+        </p:nvSpPr>
+        <p:spPr/>
+        <p:txBody>
+          <a:bodyPr/>
+          <a:lstStyle/>
+          <a:p>
+            <a:pPr lvl="1"/>
+            <a:r>
+              <a:rPr/>
+              <a:t>Prototype code to help kickstart subgroup explorations</a:t>
+            </a:r>
+          </a:p>
+          <a:p>
+            <a:pPr lvl="1"/>
+            <a:r>
+              <a:rPr/>
+              <a:t>Preliminary results from each subgroup</a:t>
+            </a:r>
+          </a:p>
+        </p:txBody>
+      </p:sp>
     </p:spTree>
   </p:cSld>
 </p:sld>
@@ -8853,6 +8883,36 @@
             <a:r>
               <a:rPr/>
               <a:t>Challenges</a:t>
+            </a:r>
+          </a:p>
+        </p:txBody>
+      </p:sp>
+      <p:sp>
+        <p:nvSpPr>
+          <p:cNvPr id="3" name="Content Placeholder 2"/>
+          <p:cNvSpPr>
+            <a:spLocks noGrp="1"/>
+          </p:cNvSpPr>
+          <p:nvPr>
+            <p:ph idx="1"/>
+          </p:nvPr>
+        </p:nvSpPr>
+        <p:spPr/>
+        <p:txBody>
+          <a:bodyPr/>
+          <a:lstStyle/>
+          <a:p>
+            <a:pPr lvl="1"/>
+            <a:r>
+              <a:rPr/>
+              <a:t>Time</a:t>
+            </a:r>
+          </a:p>
+          <a:p>
+            <a:pPr lvl="1"/>
+            <a:r>
+              <a:rPr/>
+              <a:t>Virtual setting</a:t>
             </a:r>
           </a:p>
         </p:txBody>

--- a/report/sim-geostat-survey-report.pptx
+++ b/report/sim-geostat-survey-report.pptx
@@ -6135,7 +6135,7 @@
       </p:sp>
       <p:graphicFrame xmlns:a="http://schemas.openxmlformats.org/drawingml/2006/main" xmlns:r="http://schemas.openxmlformats.org/officeDocument/2006/relationships" xmlns:p="http://schemas.openxmlformats.org/presentationml/2006/main">
         <p:nvGraphicFramePr>
-          <p:cNvPr id="398858946" name=""/>
+          <p:cNvPr id="24771954" name=""/>
           <p:cNvGraphicFramePr>
             <a:graphicFrameLocks noGrp="true"/>
           </p:cNvGraphicFramePr>
@@ -8763,6 +8763,51 @@
           </a:p>
         </p:txBody>
       </p:sp>
+      <p:sp>
+        <p:nvSpPr>
+          <p:cNvPr id="3" name="Content Placeholder 2"/>
+          <p:cNvSpPr>
+            <a:spLocks noGrp="1"/>
+          </p:cNvSpPr>
+          <p:nvPr>
+            <p:ph idx="1"/>
+          </p:nvPr>
+        </p:nvSpPr>
+        <p:spPr/>
+        <p:txBody>
+          <a:bodyPr/>
+          <a:lstStyle/>
+          <a:p>
+            <a:pPr lvl="1"/>
+            <a:r>
+              <a:rPr/>
+              <a:t>The capabilities of SimSurvey and sdmTMB</a:t>
+            </a:r>
+          </a:p>
+          <a:p>
+            <a:pPr lvl="1"/>
+            <a:r>
+              <a:rPr/>
+              <a:t>Tractable topics to explore</a:t>
+            </a:r>
+          </a:p>
+          <a:p>
+            <a:pPr lvl="1"/>
+            <a:r>
+              <a:rPr/>
+              <a:t>Sub-group specific discussions of the focus topics listed in </a:t>
+            </a:r>
+            <a:r>
+              <a:rPr b="1"/>
+              <a:t>The challenge</a:t>
+            </a:r>
+            <a:r>
+              <a:rPr/>
+              <a:t> slide</a:t>
+            </a:r>
+          </a:p>
+        </p:txBody>
+      </p:sp>
     </p:spTree>
   </p:cSld>
 </p:sld>
@@ -8905,7 +8950,7 @@
             <a:pPr lvl="1"/>
             <a:r>
               <a:rPr/>
-              <a:t>Time</a:t>
+              <a:t>Time flies</a:t>
             </a:r>
           </a:p>
           <a:p>

--- a/report/sim-geostat-survey-report.pptx
+++ b/report/sim-geostat-survey-report.pptx
@@ -16,6 +16,18 @@
     <p:sldId id="264" r:id="rId10"/>
     <p:sldId id="265" r:id="rId11"/>
     <p:sldId id="266" r:id="rId12"/>
+    <p:sldId id="267" r:id="rId13"/>
+    <p:sldId id="268" r:id="rId14"/>
+    <p:sldId id="269" r:id="rId15"/>
+    <p:sldId id="270" r:id="rId16"/>
+    <p:sldId id="271" r:id="rId17"/>
+    <p:sldId id="272" r:id="rId18"/>
+    <p:sldId id="273" r:id="rId19"/>
+    <p:sldId id="274" r:id="rId20"/>
+    <p:sldId id="275" r:id="rId21"/>
+    <p:sldId id="276" r:id="rId22"/>
+    <p:sldId id="277" r:id="rId23"/>
+    <p:sldId id="278" r:id="rId24"/>
   </p:sldIdLst>
   <p:sldSz cx="12192000" cy="6858000"/>
   <p:notesSz cx="6858000" cy="9144000"/>
@@ -6018,7 +6030,7 @@
             </a:pPr>
             <a:r>
               <a:rPr/>
-              <a:t>Next</a:t>
+              <a:t>Stitching</a:t>
             </a:r>
             <a:r>
               <a:rPr/>
@@ -6026,7 +6038,15 @@
             </a:r>
             <a:r>
               <a:rPr/>
-              <a:t>steps</a:t>
+              <a:t>-</a:t>
+            </a:r>
+            <a:r>
+              <a:rPr/>
+              <a:t> </a:t>
+            </a:r>
+            <a:r>
+              <a:rPr/>
+              <a:t>Quang</a:t>
             </a:r>
           </a:p>
         </p:txBody>
@@ -6073,7 +6093,7 @@
             </a:pPr>
             <a:r>
               <a:rPr/>
-              <a:t>Expected</a:t>
+              <a:t>Coverage</a:t>
             </a:r>
             <a:r>
               <a:rPr/>
@@ -6081,7 +6101,765 @@
             </a:r>
             <a:r>
               <a:rPr/>
-              <a:t>outcomes</a:t>
+              <a:t>-</a:t>
+            </a:r>
+            <a:r>
+              <a:rPr/>
+              <a:t> </a:t>
+            </a:r>
+            <a:r>
+              <a:rPr/>
+              <a:t>Kotaro</a:t>
+            </a:r>
+          </a:p>
+        </p:txBody>
+      </p:sp>
+    </p:spTree>
+  </p:cSld>
+</p:sld>
+</file>
+
+<file path=ppt/slides/slide12.xml><?xml version="1.0" encoding="utf-8"?>
+<p:sld xmlns:a="http://schemas.openxmlformats.org/drawingml/2006/main" xmlns:r="http://schemas.openxmlformats.org/officeDocument/2006/relationships" xmlns:p="http://schemas.openxmlformats.org/presentationml/2006/main">
+  <p:cSld>
+    <p:spTree>
+      <p:nvGrpSpPr>
+        <p:cNvPr id="1" name=""/>
+        <p:cNvGrpSpPr/>
+        <p:nvPr/>
+      </p:nvGrpSpPr>
+      <p:grpSpPr>
+        <a:xfrm>
+          <a:off x="0" y="0"/>
+          <a:ext cx="0" cy="0"/>
+          <a:chOff x="0" y="0"/>
+          <a:chExt cx="0" cy="0"/>
+        </a:xfrm>
+      </p:grpSpPr>
+      <p:sp>
+        <p:nvSpPr>
+          <p:cNvPr id="2" name="Title 1"/>
+          <p:cNvSpPr>
+            <a:spLocks noGrp="1"/>
+          </p:cNvSpPr>
+          <p:nvPr>
+            <p:ph type="title"/>
+          </p:nvPr>
+        </p:nvSpPr>
+        <p:spPr/>
+        <p:txBody>
+          <a:bodyPr/>
+          <a:lstStyle/>
+          <a:p>
+            <a:pPr lvl="0" marL="0" indent="0">
+              <a:buNone/>
+            </a:pPr>
+            <a:r>
+              <a:rPr/>
+              <a:t>Participants</a:t>
+            </a:r>
+          </a:p>
+        </p:txBody>
+      </p:sp>
+      <p:sp>
+        <p:nvSpPr>
+          <p:cNvPr id="3" name="Content Placeholder 2"/>
+          <p:cNvSpPr>
+            <a:spLocks noGrp="1"/>
+          </p:cNvSpPr>
+          <p:nvPr>
+            <p:ph idx="1"/>
+          </p:nvPr>
+        </p:nvSpPr>
+        <p:spPr/>
+        <p:txBody>
+          <a:bodyPr/>
+          <a:lstStyle/>
+          <a:p>
+            <a:pPr lvl="1"/>
+            <a:r>
+              <a:rPr/>
+              <a:t>Kotaro Ono</a:t>
+            </a:r>
+          </a:p>
+          <a:p>
+            <a:pPr lvl="1"/>
+            <a:r>
+              <a:rPr/>
+              <a:t>Hajas Wayne</a:t>
+            </a:r>
+          </a:p>
+          <a:p>
+            <a:pPr lvl="1"/>
+            <a:r>
+              <a:rPr/>
+              <a:t>Fatemeh Hatefi</a:t>
+            </a:r>
+          </a:p>
+          <a:p>
+            <a:pPr lvl="1"/>
+            <a:r>
+              <a:rPr/>
+              <a:t>Burton Meghan</a:t>
+            </a:r>
+          </a:p>
+          <a:p>
+            <a:pPr lvl="1"/>
+            <a:r>
+              <a:rPr/>
+              <a:t>Van Beveren Elisabeth</a:t>
+            </a:r>
+          </a:p>
+          <a:p>
+            <a:pPr lvl="1"/>
+            <a:r>
+              <a:rPr/>
+              <a:t>Obradovich, Shannon</a:t>
+            </a:r>
+          </a:p>
+          <a:p>
+            <a:pPr lvl="1"/>
+            <a:r>
+              <a:rPr/>
+              <a:t>Kumar Rajeev</a:t>
+            </a:r>
+          </a:p>
+        </p:txBody>
+      </p:sp>
+    </p:spTree>
+  </p:cSld>
+</p:sld>
+</file>
+
+<file path=ppt/slides/slide13.xml><?xml version="1.0" encoding="utf-8"?>
+<p:sld xmlns:a="http://schemas.openxmlformats.org/drawingml/2006/main" xmlns:r="http://schemas.openxmlformats.org/officeDocument/2006/relationships" xmlns:p="http://schemas.openxmlformats.org/presentationml/2006/main">
+  <p:cSld>
+    <p:spTree>
+      <p:nvGrpSpPr>
+        <p:cNvPr id="1" name=""/>
+        <p:cNvGrpSpPr/>
+        <p:nvPr/>
+      </p:nvGrpSpPr>
+      <p:grpSpPr>
+        <a:xfrm>
+          <a:off x="0" y="0"/>
+          <a:ext cx="0" cy="0"/>
+          <a:chOff x="0" y="0"/>
+          <a:chExt cx="0" cy="0"/>
+        </a:xfrm>
+      </p:grpSpPr>
+      <p:sp>
+        <p:nvSpPr>
+          <p:cNvPr id="2" name="Title 1"/>
+          <p:cNvSpPr>
+            <a:spLocks noGrp="1"/>
+          </p:cNvSpPr>
+          <p:nvPr>
+            <p:ph type="title"/>
+          </p:nvPr>
+        </p:nvSpPr>
+        <p:spPr/>
+        <p:txBody>
+          <a:bodyPr/>
+          <a:lstStyle/>
+          <a:p>
+            <a:pPr lvl="0" marL="0" indent="0">
+              <a:buNone/>
+            </a:pPr>
+            <a:r>
+              <a:rPr/>
+              <a:t>Challenge</a:t>
+            </a:r>
+          </a:p>
+        </p:txBody>
+      </p:sp>
+      <p:sp>
+        <p:nvSpPr>
+          <p:cNvPr id="3" name="Content Placeholder 2"/>
+          <p:cNvSpPr>
+            <a:spLocks noGrp="1"/>
+          </p:cNvSpPr>
+          <p:nvPr>
+            <p:ph idx="1"/>
+          </p:nvPr>
+        </p:nvSpPr>
+        <p:spPr/>
+        <p:txBody>
+          <a:bodyPr/>
+          <a:lstStyle/>
+          <a:p>
+            <a:pPr lvl="0" marL="0" indent="0">
+              <a:buNone/>
+            </a:pPr>
+            <a:r>
+              <a:rPr/>
+              <a:t>In general, looking at the influence of varying spatial coverage in survey design</a:t>
+            </a:r>
+          </a:p>
+        </p:txBody>
+      </p:sp>
+    </p:spTree>
+  </p:cSld>
+</p:sld>
+</file>
+
+<file path=ppt/slides/slide14.xml><?xml version="1.0" encoding="utf-8"?>
+<p:sld xmlns:a="http://schemas.openxmlformats.org/drawingml/2006/main" xmlns:r="http://schemas.openxmlformats.org/officeDocument/2006/relationships" xmlns:p="http://schemas.openxmlformats.org/presentationml/2006/main">
+  <p:cSld>
+    <p:spTree>
+      <p:nvGrpSpPr>
+        <p:cNvPr id="1" name=""/>
+        <p:cNvGrpSpPr/>
+        <p:nvPr/>
+      </p:nvGrpSpPr>
+      <p:grpSpPr>
+        <a:xfrm>
+          <a:off x="0" y="0"/>
+          <a:ext cx="0" cy="0"/>
+          <a:chOff x="0" y="0"/>
+          <a:chExt cx="0" cy="0"/>
+        </a:xfrm>
+      </p:grpSpPr>
+      <p:sp>
+        <p:nvSpPr>
+          <p:cNvPr id="2" name="Title 1"/>
+          <p:cNvSpPr>
+            <a:spLocks noGrp="1"/>
+          </p:cNvSpPr>
+          <p:nvPr>
+            <p:ph type="title"/>
+          </p:nvPr>
+        </p:nvSpPr>
+        <p:spPr/>
+        <p:txBody>
+          <a:bodyPr/>
+          <a:lstStyle/>
+          <a:p>
+            <a:pPr lvl="0" marL="0" indent="0">
+              <a:buNone/>
+            </a:pPr>
+            <a:r>
+              <a:rPr/>
+              <a:t>Approach</a:t>
+            </a:r>
+            <a:r>
+              <a:rPr/>
+              <a:t> </a:t>
+            </a:r>
+            <a:r>
+              <a:rPr/>
+              <a:t>taken</a:t>
+            </a:r>
+          </a:p>
+        </p:txBody>
+      </p:sp>
+      <p:sp>
+        <p:nvSpPr>
+          <p:cNvPr id="3" name="Content Placeholder 2"/>
+          <p:cNvSpPr>
+            <a:spLocks noGrp="1"/>
+          </p:cNvSpPr>
+          <p:nvPr>
+            <p:ph idx="1"/>
+          </p:nvPr>
+        </p:nvSpPr>
+        <p:spPr/>
+        <p:txBody>
+          <a:bodyPr/>
+          <a:lstStyle/>
+          <a:p>
+            <a:pPr lvl="1"/>
+            <a:r>
+              <a:rPr/>
+              <a:t>Examine the different scenarios of imperfect spatial coverage​</a:t>
+            </a:r>
+          </a:p>
+          <a:p>
+            <a:pPr lvl="1"/>
+            <a:r>
+              <a:rPr/>
+              <a:t>Start coding! (thanks Kotaro)​</a:t>
+            </a:r>
+          </a:p>
+          <a:p>
+            <a:pPr lvl="1"/>
+            <a:r>
+              <a:rPr/>
+              <a:t>Spend some time understanding the functions and their arguments​</a:t>
+            </a:r>
+          </a:p>
+          <a:p>
+            <a:pPr lvl="1"/>
+            <a:r>
+              <a:rPr/>
+              <a:t>Added arguments to function of Sean and ran all the scenarios we were interest in</a:t>
+            </a:r>
+          </a:p>
+        </p:txBody>
+      </p:sp>
+    </p:spTree>
+  </p:cSld>
+</p:sld>
+</file>
+
+<file path=ppt/slides/slide15.xml><?xml version="1.0" encoding="utf-8"?>
+<p:sld xmlns:a="http://schemas.openxmlformats.org/drawingml/2006/main" xmlns:r="http://schemas.openxmlformats.org/officeDocument/2006/relationships" xmlns:p="http://schemas.openxmlformats.org/presentationml/2006/main">
+  <p:cSld>
+    <p:spTree>
+      <p:nvGrpSpPr>
+        <p:cNvPr id="1" name=""/>
+        <p:cNvGrpSpPr/>
+        <p:nvPr/>
+      </p:nvGrpSpPr>
+      <p:grpSpPr>
+        <a:xfrm>
+          <a:off x="0" y="0"/>
+          <a:ext cx="0" cy="0"/>
+          <a:chOff x="0" y="0"/>
+          <a:chExt cx="0" cy="0"/>
+        </a:xfrm>
+      </p:grpSpPr>
+      <p:sp>
+        <p:nvSpPr>
+          <p:cNvPr id="2" name="Title 1"/>
+          <p:cNvSpPr>
+            <a:spLocks noGrp="1"/>
+          </p:cNvSpPr>
+          <p:nvPr>
+            <p:ph type="title"/>
+          </p:nvPr>
+        </p:nvSpPr>
+        <p:spPr/>
+        <p:txBody>
+          <a:bodyPr/>
+          <a:lstStyle/>
+          <a:p>
+            <a:pPr lvl="0" marL="0" indent="0">
+              <a:buNone/>
+            </a:pPr>
+            <a:r>
+              <a:rPr/>
+              <a:t>Key</a:t>
+            </a:r>
+            <a:r>
+              <a:rPr/>
+              <a:t> </a:t>
+            </a:r>
+            <a:r>
+              <a:rPr/>
+              <a:t>points</a:t>
+            </a:r>
+            <a:r>
+              <a:rPr/>
+              <a:t> </a:t>
+            </a:r>
+            <a:r>
+              <a:rPr/>
+              <a:t>discussed</a:t>
+            </a:r>
+          </a:p>
+        </p:txBody>
+      </p:sp>
+      <p:sp>
+        <p:nvSpPr>
+          <p:cNvPr id="3" name="Content Placeholder 2"/>
+          <p:cNvSpPr>
+            <a:spLocks noGrp="1"/>
+          </p:cNvSpPr>
+          <p:nvPr>
+            <p:ph idx="1"/>
+          </p:nvPr>
+        </p:nvSpPr>
+        <p:spPr/>
+        <p:txBody>
+          <a:bodyPr/>
+          <a:lstStyle/>
+          <a:p>
+            <a:pPr lvl="1"/>
+            <a:r>
+              <a:rPr/>
+              <a:t>Various scenarios of coverage and the factors that influence them​</a:t>
+            </a:r>
+          </a:p>
+          <a:p>
+            <a:pPr lvl="1"/>
+            <a:r>
+              <a:rPr/>
+              <a:t>Population density​</a:t>
+            </a:r>
+          </a:p>
+          <a:p>
+            <a:pPr lvl="1"/>
+            <a:r>
+              <a:rPr/>
+              <a:t>Population distribution (patchy vs dispersed)​</a:t>
+            </a:r>
+          </a:p>
+          <a:p>
+            <a:pPr lvl="1"/>
+            <a:r>
+              <a:rPr/>
+              <a:t>Sampling density​</a:t>
+            </a:r>
+          </a:p>
+          <a:p>
+            <a:pPr lvl="1"/>
+            <a:r>
+              <a:rPr/>
+              <a:t>Effect of depth​</a:t>
+            </a:r>
+          </a:p>
+          <a:p>
+            <a:pPr lvl="1"/>
+            <a:r>
+              <a:rPr/>
+              <a:t>Temporal correlation in species distribution​</a:t>
+            </a:r>
+          </a:p>
+          <a:p>
+            <a:pPr lvl="1"/>
+            <a:r>
+              <a:rPr/>
+              <a:t>Coding details. How to do it efficiently?</a:t>
+            </a:r>
+          </a:p>
+        </p:txBody>
+      </p:sp>
+    </p:spTree>
+  </p:cSld>
+</p:sld>
+</file>
+
+<file path=ppt/slides/slide16.xml><?xml version="1.0" encoding="utf-8"?>
+<p:sld xmlns:a="http://schemas.openxmlformats.org/drawingml/2006/main" xmlns:r="http://schemas.openxmlformats.org/officeDocument/2006/relationships" xmlns:p="http://schemas.openxmlformats.org/presentationml/2006/main">
+  <p:cSld>
+    <p:spTree>
+      <p:nvGrpSpPr>
+        <p:cNvPr id="1" name=""/>
+        <p:cNvGrpSpPr/>
+        <p:nvPr/>
+      </p:nvGrpSpPr>
+      <p:grpSpPr>
+        <a:xfrm>
+          <a:off x="0" y="0"/>
+          <a:ext cx="0" cy="0"/>
+          <a:chOff x="0" y="0"/>
+          <a:chExt cx="0" cy="0"/>
+        </a:xfrm>
+      </p:grpSpPr>
+      <p:sp>
+        <p:nvSpPr>
+          <p:cNvPr id="2" name="Title 1"/>
+          <p:cNvSpPr>
+            <a:spLocks noGrp="1"/>
+          </p:cNvSpPr>
+          <p:nvPr>
+            <p:ph type="title"/>
+          </p:nvPr>
+        </p:nvSpPr>
+        <p:spPr/>
+        <p:txBody>
+          <a:bodyPr/>
+          <a:lstStyle/>
+          <a:p>
+            <a:pPr lvl="0" marL="0" indent="0">
+              <a:buNone/>
+            </a:pPr>
+            <a:r>
+              <a:rPr/>
+              <a:t>Successes</a:t>
+            </a:r>
+          </a:p>
+        </p:txBody>
+      </p:sp>
+      <p:sp>
+        <p:nvSpPr>
+          <p:cNvPr id="3" name="Content Placeholder 2"/>
+          <p:cNvSpPr>
+            <a:spLocks noGrp="1"/>
+          </p:cNvSpPr>
+          <p:nvPr>
+            <p:ph idx="1"/>
+          </p:nvPr>
+        </p:nvSpPr>
+        <p:spPr/>
+        <p:txBody>
+          <a:bodyPr/>
+          <a:lstStyle/>
+          <a:p>
+            <a:pPr lvl="1"/>
+            <a:r>
+              <a:rPr/>
+              <a:t>Able to come up with scenarios to test and work them out​</a:t>
+            </a:r>
+          </a:p>
+          <a:p>
+            <a:pPr lvl="1"/>
+            <a:r>
+              <a:rPr/>
+              <a:t>Learned more about the package and its flexibility​</a:t>
+            </a:r>
+          </a:p>
+          <a:p>
+            <a:pPr lvl="1"/>
+            <a:r>
+              <a:rPr/>
+              <a:t>Seeing other people code can be a good learning experience (pmap function, purrr)</a:t>
+            </a:r>
+          </a:p>
+        </p:txBody>
+      </p:sp>
+    </p:spTree>
+  </p:cSld>
+</p:sld>
+</file>
+
+<file path=ppt/slides/slide17.xml><?xml version="1.0" encoding="utf-8"?>
+<p:sld xmlns:a="http://schemas.openxmlformats.org/drawingml/2006/main" xmlns:r="http://schemas.openxmlformats.org/officeDocument/2006/relationships" xmlns:p="http://schemas.openxmlformats.org/presentationml/2006/main">
+  <p:cSld>
+    <p:spTree>
+      <p:nvGrpSpPr>
+        <p:cNvPr id="1" name=""/>
+        <p:cNvGrpSpPr/>
+        <p:nvPr/>
+      </p:nvGrpSpPr>
+      <p:grpSpPr>
+        <a:xfrm>
+          <a:off x="0" y="0"/>
+          <a:ext cx="0" cy="0"/>
+          <a:chOff x="0" y="0"/>
+          <a:chExt cx="0" cy="0"/>
+        </a:xfrm>
+      </p:grpSpPr>
+      <p:sp>
+        <p:nvSpPr>
+          <p:cNvPr id="2" name="Title 1"/>
+          <p:cNvSpPr>
+            <a:spLocks noGrp="1"/>
+          </p:cNvSpPr>
+          <p:nvPr>
+            <p:ph type="title"/>
+          </p:nvPr>
+        </p:nvSpPr>
+        <p:spPr/>
+        <p:txBody>
+          <a:bodyPr/>
+          <a:lstStyle/>
+          <a:p>
+            <a:pPr lvl="0" marL="0" indent="0">
+              <a:buNone/>
+            </a:pPr>
+            <a:r>
+              <a:rPr/>
+              <a:t>Challenges</a:t>
+            </a:r>
+          </a:p>
+        </p:txBody>
+      </p:sp>
+      <p:sp>
+        <p:nvSpPr>
+          <p:cNvPr id="3" name="Content Placeholder 2"/>
+          <p:cNvSpPr>
+            <a:spLocks noGrp="1"/>
+          </p:cNvSpPr>
+          <p:nvPr>
+            <p:ph idx="1"/>
+          </p:nvPr>
+        </p:nvSpPr>
+        <p:spPr/>
+        <p:txBody>
+          <a:bodyPr/>
+          <a:lstStyle/>
+          <a:p>
+            <a:pPr lvl="1"/>
+            <a:r>
+              <a:rPr/>
+              <a:t>Working with a package we are new to​</a:t>
+            </a:r>
+          </a:p>
+          <a:p>
+            <a:pPr lvl="1"/>
+            <a:r>
+              <a:rPr/>
+              <a:t>Tidyverse vs base R​</a:t>
+            </a:r>
+          </a:p>
+          <a:p>
+            <a:pPr lvl="1"/>
+            <a:r>
+              <a:rPr/>
+              <a:t>Have to work with the options available in the package (scenario creation)​</a:t>
+            </a:r>
+          </a:p>
+          <a:p>
+            <a:pPr lvl="1"/>
+            <a:r>
+              <a:rPr/>
+              <a:t>Parallel runs: how to track progress?​</a:t>
+            </a:r>
+          </a:p>
+          <a:p>
+            <a:pPr lvl="1"/>
+            <a:r>
+              <a:rPr/>
+              <a:t>Parallel runs: cpue to 100% and laptop very slow , can we avoid this??​</a:t>
+            </a:r>
+          </a:p>
+          <a:p>
+            <a:pPr lvl="1"/>
+            <a:r>
+              <a:rPr/>
+              <a:t>Summarising results when there are a lot of scenarios​</a:t>
+            </a:r>
+          </a:p>
+          <a:p>
+            <a:pPr lvl="1"/>
+            <a:r>
+              <a:rPr/>
+              <a:t>2 hours to figure out what to do and run it… is not a lot of time</a:t>
+            </a:r>
+          </a:p>
+        </p:txBody>
+      </p:sp>
+    </p:spTree>
+  </p:cSld>
+</p:sld>
+</file>
+
+<file path=ppt/slides/slide18.xml><?xml version="1.0" encoding="utf-8"?>
+<p:sld xmlns:a="http://schemas.openxmlformats.org/drawingml/2006/main" xmlns:r="http://schemas.openxmlformats.org/officeDocument/2006/relationships" xmlns:p="http://schemas.openxmlformats.org/presentationml/2006/main">
+  <p:cSld>
+    <p:spTree>
+      <p:nvGrpSpPr>
+        <p:cNvPr id="1" name=""/>
+        <p:cNvGrpSpPr/>
+        <p:nvPr/>
+      </p:nvGrpSpPr>
+      <p:grpSpPr>
+        <a:xfrm>
+          <a:off x="0" y="0"/>
+          <a:ext cx="0" cy="0"/>
+          <a:chOff x="0" y="0"/>
+          <a:chExt cx="0" cy="0"/>
+        </a:xfrm>
+      </p:grpSpPr>
+      <p:sp>
+        <p:nvSpPr>
+          <p:cNvPr id="2" name="Title 1"/>
+          <p:cNvSpPr>
+            <a:spLocks noGrp="1"/>
+          </p:cNvSpPr>
+          <p:nvPr>
+            <p:ph type="title"/>
+          </p:nvPr>
+        </p:nvSpPr>
+        <p:spPr/>
+        <p:txBody>
+          <a:bodyPr/>
+          <a:lstStyle/>
+          <a:p>
+            <a:pPr lvl="0" marL="0" indent="0">
+              <a:buNone/>
+            </a:pPr>
+            <a:r>
+              <a:rPr/>
+              <a:t>Next</a:t>
+            </a:r>
+            <a:r>
+              <a:rPr/>
+              <a:t> </a:t>
+            </a:r>
+            <a:r>
+              <a:rPr/>
+              <a:t>steps</a:t>
+            </a:r>
+          </a:p>
+        </p:txBody>
+      </p:sp>
+      <p:sp>
+        <p:nvSpPr>
+          <p:cNvPr id="3" name="Content Placeholder 2"/>
+          <p:cNvSpPr>
+            <a:spLocks noGrp="1"/>
+          </p:cNvSpPr>
+          <p:nvPr>
+            <p:ph idx="1"/>
+          </p:nvPr>
+        </p:nvSpPr>
+        <p:spPr/>
+        <p:txBody>
+          <a:bodyPr/>
+          <a:lstStyle/>
+          <a:p>
+            <a:pPr lvl="0" marL="0" indent="0">
+              <a:buNone/>
+            </a:pPr>
+            <a:r>
+              <a:rPr/>
+              <a:t>Simsurvey seems like a great package, but some other features would be helpful (e.g., seasonal component)</a:t>
+            </a:r>
+          </a:p>
+        </p:txBody>
+      </p:sp>
+    </p:spTree>
+  </p:cSld>
+</p:sld>
+</file>
+
+<file path=ppt/slides/slide19.xml><?xml version="1.0" encoding="utf-8"?>
+<p:sld xmlns:a="http://schemas.openxmlformats.org/drawingml/2006/main" xmlns:r="http://schemas.openxmlformats.org/officeDocument/2006/relationships" xmlns:p="http://schemas.openxmlformats.org/presentationml/2006/main">
+  <p:cSld>
+    <p:spTree>
+      <p:nvGrpSpPr>
+        <p:cNvPr id="1" name=""/>
+        <p:cNvGrpSpPr/>
+        <p:nvPr/>
+      </p:nvGrpSpPr>
+      <p:grpSpPr>
+        <a:xfrm>
+          <a:off x="0" y="0"/>
+          <a:ext cx="0" cy="0"/>
+          <a:chOff x="0" y="0"/>
+          <a:chExt cx="0" cy="0"/>
+        </a:xfrm>
+      </p:grpSpPr>
+      <p:sp>
+        <p:nvSpPr>
+          <p:cNvPr id="2" name="Title 1"/>
+          <p:cNvSpPr>
+            <a:spLocks noGrp="1"/>
+          </p:cNvSpPr>
+          <p:nvPr>
+            <p:ph type="title"/>
+          </p:nvPr>
+        </p:nvSpPr>
+        <p:spPr/>
+        <p:txBody>
+          <a:bodyPr/>
+          <a:lstStyle/>
+          <a:p>
+            <a:pPr lvl="0" marL="0" indent="0">
+              <a:buNone/>
+            </a:pPr>
+            <a:r>
+              <a:rPr/>
+              <a:t>Covariates</a:t>
+            </a:r>
+            <a:r>
+              <a:rPr/>
+              <a:t> </a:t>
+            </a:r>
+            <a:r>
+              <a:rPr/>
+              <a:t>-</a:t>
+            </a:r>
+            <a:r>
+              <a:rPr/>
+              <a:t> </a:t>
+            </a:r>
+            <a:r>
+              <a:rPr/>
+              <a:t>Dan</a:t>
             </a:r>
           </a:p>
         </p:txBody>
@@ -6135,7 +6913,7 @@
       </p:sp>
       <p:graphicFrame xmlns:a="http://schemas.openxmlformats.org/drawingml/2006/main" xmlns:r="http://schemas.openxmlformats.org/officeDocument/2006/relationships" xmlns:p="http://schemas.openxmlformats.org/presentationml/2006/main">
         <p:nvGraphicFramePr>
-          <p:cNvPr id="24771954" name=""/>
+          <p:cNvPr id="899955272" name=""/>
           <p:cNvGraphicFramePr>
             <a:graphicFrameLocks noGrp="true"/>
           </p:cNvGraphicFramePr>
@@ -6150,25 +6928,25 @@
             <a:tbl>
               <a:tblPr/>
               <a:tblGrid>
-                <a:gridCol w="3761209"/>
-                <a:gridCol w="2743560"/>
-                <a:gridCol w="2706613"/>
+                <a:gridCol w="3828943"/>
+                <a:gridCol w="2811293"/>
+                <a:gridCol w="2774346"/>
               </a:tblGrid>
-              <a:tr h="407576">
+              <a:tr h="475309">
                 <a:tc>
                   <a:txBody>
                     <a:bodyPr/>
                     <a:lstStyle/>
                     <a:p>
-                      <a:pPr algn="l" marL="38100" marR="38100">
+                      <a:pPr algn="l" marL="63500" marR="63500">
                         <a:lnSpc>
                           <a:spcPct val="100000"/>
                         </a:lnSpc>
                         <a:spcBef>
-                          <a:spcPts val="300"/>
+                          <a:spcPts val="500"/>
                         </a:spcBef>
                         <a:spcAft>
-                          <a:spcPts val="300"/>
+                          <a:spcPts val="500"/>
                         </a:spcAft>
                         <a:buNone/>
                       </a:pPr>
@@ -6226,15 +7004,15 @@
                     <a:bodyPr/>
                     <a:lstStyle/>
                     <a:p>
-                      <a:pPr algn="l" marL="38100" marR="38100">
+                      <a:pPr algn="l" marL="63500" marR="63500">
                         <a:lnSpc>
                           <a:spcPct val="100000"/>
                         </a:lnSpc>
                         <a:spcBef>
-                          <a:spcPts val="300"/>
+                          <a:spcPts val="500"/>
                         </a:spcBef>
                         <a:spcAft>
-                          <a:spcPts val="300"/>
+                          <a:spcPts val="500"/>
                         </a:spcAft>
                         <a:buNone/>
                       </a:pPr>
@@ -6292,15 +7070,15 @@
                     <a:bodyPr/>
                     <a:lstStyle/>
                     <a:p>
-                      <a:pPr algn="l" marL="38100" marR="38100">
+                      <a:pPr algn="l" marL="63500" marR="63500">
                         <a:lnSpc>
                           <a:spcPct val="100000"/>
                         </a:lnSpc>
                         <a:spcBef>
-                          <a:spcPts val="300"/>
+                          <a:spcPts val="500"/>
                         </a:spcBef>
                         <a:spcAft>
-                          <a:spcPts val="300"/>
+                          <a:spcPts val="500"/>
                         </a:spcAft>
                         <a:buNone/>
                       </a:pPr>
@@ -6354,21 +7132,21 @@
                   </a:tcPr>
                 </a:tc>
               </a:tr>
-              <a:tr h="407687">
+              <a:tr h="475421">
                 <a:tc>
                   <a:txBody>
                     <a:bodyPr/>
                     <a:lstStyle/>
                     <a:p>
-                      <a:pPr algn="l" marL="38100" marR="38100">
+                      <a:pPr algn="l" marL="63500" marR="63500">
                         <a:lnSpc>
                           <a:spcPct val="100000"/>
                         </a:lnSpc>
                         <a:spcBef>
-                          <a:spcPts val="300"/>
+                          <a:spcPts val="500"/>
                         </a:spcBef>
                         <a:spcAft>
-                          <a:spcPts val="300"/>
+                          <a:spcPts val="500"/>
                         </a:spcAft>
                         <a:buNone/>
                       </a:pPr>
@@ -6426,15 +7204,15 @@
                     <a:bodyPr/>
                     <a:lstStyle/>
                     <a:p>
-                      <a:pPr algn="l" marL="38100" marR="38100">
+                      <a:pPr algn="l" marL="63500" marR="63500">
                         <a:lnSpc>
                           <a:spcPct val="100000"/>
                         </a:lnSpc>
                         <a:spcBef>
-                          <a:spcPts val="300"/>
+                          <a:spcPts val="500"/>
                         </a:spcBef>
                         <a:spcAft>
-                          <a:spcPts val="300"/>
+                          <a:spcPts val="500"/>
                         </a:spcAft>
                         <a:buNone/>
                       </a:pPr>
@@ -6492,15 +7270,15 @@
                     <a:bodyPr/>
                     <a:lstStyle/>
                     <a:p>
-                      <a:pPr algn="l" marL="38100" marR="38100">
+                      <a:pPr algn="l" marL="63500" marR="63500">
                         <a:lnSpc>
                           <a:spcPct val="100000"/>
                         </a:lnSpc>
                         <a:spcBef>
-                          <a:spcPts val="300"/>
+                          <a:spcPts val="500"/>
                         </a:spcBef>
                         <a:spcAft>
-                          <a:spcPts val="300"/>
+                          <a:spcPts val="500"/>
                         </a:spcAft>
                         <a:buNone/>
                       </a:pPr>
@@ -6554,21 +7332,21 @@
                   </a:tcPr>
                 </a:tc>
               </a:tr>
-              <a:tr h="407576">
+              <a:tr h="475309">
                 <a:tc>
                   <a:txBody>
                     <a:bodyPr/>
                     <a:lstStyle/>
                     <a:p>
-                      <a:pPr algn="l" marL="38100" marR="38100">
+                      <a:pPr algn="l" marL="63500" marR="63500">
                         <a:lnSpc>
                           <a:spcPct val="100000"/>
                         </a:lnSpc>
                         <a:spcBef>
-                          <a:spcPts val="300"/>
+                          <a:spcPts val="500"/>
                         </a:spcBef>
                         <a:spcAft>
-                          <a:spcPts val="300"/>
+                          <a:spcPts val="500"/>
                         </a:spcAft>
                         <a:buNone/>
                       </a:pPr>
@@ -6626,15 +7404,15 @@
                     <a:bodyPr/>
                     <a:lstStyle/>
                     <a:p>
-                      <a:pPr algn="l" marL="38100" marR="38100">
+                      <a:pPr algn="l" marL="63500" marR="63500">
                         <a:lnSpc>
                           <a:spcPct val="100000"/>
                         </a:lnSpc>
                         <a:spcBef>
-                          <a:spcPts val="300"/>
+                          <a:spcPts val="500"/>
                         </a:spcBef>
                         <a:spcAft>
-                          <a:spcPts val="300"/>
+                          <a:spcPts val="500"/>
                         </a:spcAft>
                         <a:buNone/>
                       </a:pPr>
@@ -6692,15 +7470,15 @@
                     <a:bodyPr/>
                     <a:lstStyle/>
                     <a:p>
-                      <a:pPr algn="l" marL="38100" marR="38100">
+                      <a:pPr algn="l" marL="63500" marR="63500">
                         <a:lnSpc>
                           <a:spcPct val="100000"/>
                         </a:lnSpc>
                         <a:spcBef>
-                          <a:spcPts val="300"/>
+                          <a:spcPts val="500"/>
                         </a:spcBef>
                         <a:spcAft>
-                          <a:spcPts val="300"/>
+                          <a:spcPts val="500"/>
                         </a:spcAft>
                         <a:buNone/>
                       </a:pPr>
@@ -6754,21 +7532,21 @@
                   </a:tcPr>
                 </a:tc>
               </a:tr>
-              <a:tr h="359355">
+              <a:tr h="427089">
                 <a:tc>
                   <a:txBody>
                     <a:bodyPr/>
                     <a:lstStyle/>
                     <a:p>
-                      <a:pPr algn="l" marL="38100" marR="38100">
+                      <a:pPr algn="l" marL="63500" marR="63500">
                         <a:lnSpc>
                           <a:spcPct val="100000"/>
                         </a:lnSpc>
                         <a:spcBef>
-                          <a:spcPts val="300"/>
+                          <a:spcPts val="500"/>
                         </a:spcBef>
                         <a:spcAft>
-                          <a:spcPts val="300"/>
+                          <a:spcPts val="500"/>
                         </a:spcAft>
                         <a:buNone/>
                       </a:pPr>
@@ -6826,15 +7604,15 @@
                     <a:bodyPr/>
                     <a:lstStyle/>
                     <a:p>
-                      <a:pPr algn="l" marL="38100" marR="38100">
+                      <a:pPr algn="l" marL="63500" marR="63500">
                         <a:lnSpc>
                           <a:spcPct val="100000"/>
                         </a:lnSpc>
                         <a:spcBef>
-                          <a:spcPts val="300"/>
+                          <a:spcPts val="500"/>
                         </a:spcBef>
                         <a:spcAft>
-                          <a:spcPts val="300"/>
+                          <a:spcPts val="500"/>
                         </a:spcAft>
                         <a:buNone/>
                       </a:pPr>
@@ -6892,15 +7670,15 @@
                     <a:bodyPr/>
                     <a:lstStyle/>
                     <a:p>
-                      <a:pPr algn="l" marL="38100" marR="38100">
+                      <a:pPr algn="l" marL="63500" marR="63500">
                         <a:lnSpc>
                           <a:spcPct val="100000"/>
                         </a:lnSpc>
                         <a:spcBef>
-                          <a:spcPts val="300"/>
+                          <a:spcPts val="500"/>
                         </a:spcBef>
                         <a:spcAft>
-                          <a:spcPts val="300"/>
+                          <a:spcPts val="500"/>
                         </a:spcAft>
                         <a:buNone/>
                       </a:pPr>
@@ -6954,21 +7732,21 @@
                   </a:tcPr>
                 </a:tc>
               </a:tr>
-              <a:tr h="362258">
+              <a:tr h="429991">
                 <a:tc>
                   <a:txBody>
                     <a:bodyPr/>
                     <a:lstStyle/>
                     <a:p>
-                      <a:pPr algn="l" marL="38100" marR="38100">
+                      <a:pPr algn="l" marL="63500" marR="63500">
                         <a:lnSpc>
                           <a:spcPct val="100000"/>
                         </a:lnSpc>
                         <a:spcBef>
-                          <a:spcPts val="300"/>
+                          <a:spcPts val="500"/>
                         </a:spcBef>
                         <a:spcAft>
-                          <a:spcPts val="300"/>
+                          <a:spcPts val="500"/>
                         </a:spcAft>
                         <a:buNone/>
                       </a:pPr>
@@ -7026,15 +7804,15 @@
                     <a:bodyPr/>
                     <a:lstStyle/>
                     <a:p>
-                      <a:pPr algn="l" marL="38100" marR="38100">
+                      <a:pPr algn="l" marL="63500" marR="63500">
                         <a:lnSpc>
                           <a:spcPct val="100000"/>
                         </a:lnSpc>
                         <a:spcBef>
-                          <a:spcPts val="300"/>
+                          <a:spcPts val="500"/>
                         </a:spcBef>
                         <a:spcAft>
-                          <a:spcPts val="300"/>
+                          <a:spcPts val="500"/>
                         </a:spcAft>
                         <a:buNone/>
                       </a:pPr>
@@ -7092,15 +7870,15 @@
                     <a:bodyPr/>
                     <a:lstStyle/>
                     <a:p>
-                      <a:pPr algn="l" marL="38100" marR="38100">
+                      <a:pPr algn="l" marL="63500" marR="63500">
                         <a:lnSpc>
                           <a:spcPct val="100000"/>
                         </a:lnSpc>
                         <a:spcBef>
-                          <a:spcPts val="300"/>
+                          <a:spcPts val="500"/>
                         </a:spcBef>
                         <a:spcAft>
-                          <a:spcPts val="300"/>
+                          <a:spcPts val="500"/>
                         </a:spcAft>
                         <a:buNone/>
                       </a:pPr>
@@ -7154,21 +7932,21 @@
                   </a:tcPr>
                 </a:tc>
               </a:tr>
-              <a:tr h="402106">
+              <a:tr h="469840">
                 <a:tc>
                   <a:txBody>
                     <a:bodyPr/>
                     <a:lstStyle/>
                     <a:p>
-                      <a:pPr algn="l" marL="38100" marR="38100">
+                      <a:pPr algn="l" marL="63500" marR="63500">
                         <a:lnSpc>
                           <a:spcPct val="100000"/>
                         </a:lnSpc>
                         <a:spcBef>
-                          <a:spcPts val="300"/>
+                          <a:spcPts val="500"/>
                         </a:spcBef>
                         <a:spcAft>
-                          <a:spcPts val="300"/>
+                          <a:spcPts val="500"/>
                         </a:spcAft>
                         <a:buNone/>
                       </a:pPr>
@@ -7226,15 +8004,15 @@
                     <a:bodyPr/>
                     <a:lstStyle/>
                     <a:p>
-                      <a:pPr algn="l" marL="38100" marR="38100">
+                      <a:pPr algn="l" marL="63500" marR="63500">
                         <a:lnSpc>
                           <a:spcPct val="100000"/>
                         </a:lnSpc>
                         <a:spcBef>
-                          <a:spcPts val="300"/>
+                          <a:spcPts val="500"/>
                         </a:spcBef>
                         <a:spcAft>
-                          <a:spcPts val="300"/>
+                          <a:spcPts val="500"/>
                         </a:spcAft>
                         <a:buNone/>
                       </a:pPr>
@@ -7292,15 +8070,15 @@
                     <a:bodyPr/>
                     <a:lstStyle/>
                     <a:p>
-                      <a:pPr algn="l" marL="38100" marR="38100">
+                      <a:pPr algn="l" marL="63500" marR="63500">
                         <a:lnSpc>
                           <a:spcPct val="100000"/>
                         </a:lnSpc>
                         <a:spcBef>
-                          <a:spcPts val="300"/>
+                          <a:spcPts val="500"/>
                         </a:spcBef>
                         <a:spcAft>
-                          <a:spcPts val="300"/>
+                          <a:spcPts val="500"/>
                         </a:spcAft>
                         <a:buNone/>
                       </a:pPr>
@@ -7354,21 +8132,21 @@
                   </a:tcPr>
                 </a:tc>
               </a:tr>
-              <a:tr h="404897">
+              <a:tr h="472630">
                 <a:tc>
                   <a:txBody>
                     <a:bodyPr/>
                     <a:lstStyle/>
                     <a:p>
-                      <a:pPr algn="l" marL="38100" marR="38100">
+                      <a:pPr algn="l" marL="63500" marR="63500">
                         <a:lnSpc>
                           <a:spcPct val="100000"/>
                         </a:lnSpc>
                         <a:spcBef>
-                          <a:spcPts val="300"/>
+                          <a:spcPts val="500"/>
                         </a:spcBef>
                         <a:spcAft>
-                          <a:spcPts val="300"/>
+                          <a:spcPts val="500"/>
                         </a:spcAft>
                         <a:buNone/>
                       </a:pPr>
@@ -7426,15 +8204,15 @@
                     <a:bodyPr/>
                     <a:lstStyle/>
                     <a:p>
-                      <a:pPr algn="l" marL="38100" marR="38100">
+                      <a:pPr algn="l" marL="63500" marR="63500">
                         <a:lnSpc>
                           <a:spcPct val="100000"/>
                         </a:lnSpc>
                         <a:spcBef>
-                          <a:spcPts val="300"/>
+                          <a:spcPts val="500"/>
                         </a:spcBef>
                         <a:spcAft>
-                          <a:spcPts val="300"/>
+                          <a:spcPts val="500"/>
                         </a:spcAft>
                         <a:buNone/>
                       </a:pPr>
@@ -7492,15 +8270,15 @@
                     <a:bodyPr/>
                     <a:lstStyle/>
                     <a:p>
-                      <a:pPr algn="l" marL="38100" marR="38100">
+                      <a:pPr algn="l" marL="63500" marR="63500">
                         <a:lnSpc>
                           <a:spcPct val="100000"/>
                         </a:lnSpc>
                         <a:spcBef>
-                          <a:spcPts val="300"/>
+                          <a:spcPts val="500"/>
                         </a:spcBef>
                         <a:spcAft>
-                          <a:spcPts val="300"/>
+                          <a:spcPts val="500"/>
                         </a:spcAft>
                         <a:buNone/>
                       </a:pPr>
@@ -7554,21 +8332,21 @@
                   </a:tcPr>
                 </a:tc>
               </a:tr>
-              <a:tr h="404785">
+              <a:tr h="472519">
                 <a:tc>
                   <a:txBody>
                     <a:bodyPr/>
                     <a:lstStyle/>
                     <a:p>
-                      <a:pPr algn="l" marL="38100" marR="38100">
+                      <a:pPr algn="l" marL="63500" marR="63500">
                         <a:lnSpc>
                           <a:spcPct val="100000"/>
                         </a:lnSpc>
                         <a:spcBef>
-                          <a:spcPts val="300"/>
+                          <a:spcPts val="500"/>
                         </a:spcBef>
                         <a:spcAft>
-                          <a:spcPts val="300"/>
+                          <a:spcPts val="500"/>
                         </a:spcAft>
                         <a:buNone/>
                       </a:pPr>
@@ -7626,15 +8404,15 @@
                     <a:bodyPr/>
                     <a:lstStyle/>
                     <a:p>
-                      <a:pPr algn="l" marL="38100" marR="38100">
+                      <a:pPr algn="l" marL="63500" marR="63500">
                         <a:lnSpc>
                           <a:spcPct val="100000"/>
                         </a:lnSpc>
                         <a:spcBef>
-                          <a:spcPts val="300"/>
+                          <a:spcPts val="500"/>
                         </a:spcBef>
                         <a:spcAft>
-                          <a:spcPts val="300"/>
+                          <a:spcPts val="500"/>
                         </a:spcAft>
                         <a:buNone/>
                       </a:pPr>
@@ -7692,15 +8470,15 @@
                     <a:bodyPr/>
                     <a:lstStyle/>
                     <a:p>
-                      <a:pPr algn="l" marL="38100" marR="38100">
+                      <a:pPr algn="l" marL="63500" marR="63500">
                         <a:lnSpc>
                           <a:spcPct val="100000"/>
                         </a:lnSpc>
                         <a:spcBef>
-                          <a:spcPts val="300"/>
+                          <a:spcPts val="500"/>
                         </a:spcBef>
                         <a:spcAft>
-                          <a:spcPts val="300"/>
+                          <a:spcPts val="500"/>
                         </a:spcAft>
                         <a:buNone/>
                       </a:pPr>
@@ -7754,21 +8532,21 @@
                   </a:tcPr>
                 </a:tc>
               </a:tr>
-              <a:tr h="404785">
+              <a:tr h="472519">
                 <a:tc>
                   <a:txBody>
                     <a:bodyPr/>
                     <a:lstStyle/>
                     <a:p>
-                      <a:pPr algn="l" marL="38100" marR="38100">
+                      <a:pPr algn="l" marL="63500" marR="63500">
                         <a:lnSpc>
                           <a:spcPct val="100000"/>
                         </a:lnSpc>
                         <a:spcBef>
-                          <a:spcPts val="300"/>
+                          <a:spcPts val="500"/>
                         </a:spcBef>
                         <a:spcAft>
-                          <a:spcPts val="300"/>
+                          <a:spcPts val="500"/>
                         </a:spcAft>
                         <a:buNone/>
                       </a:pPr>
@@ -7826,15 +8604,15 @@
                     <a:bodyPr/>
                     <a:lstStyle/>
                     <a:p>
-                      <a:pPr algn="l" marL="38100" marR="38100">
+                      <a:pPr algn="l" marL="63500" marR="63500">
                         <a:lnSpc>
                           <a:spcPct val="100000"/>
                         </a:lnSpc>
                         <a:spcBef>
-                          <a:spcPts val="300"/>
+                          <a:spcPts val="500"/>
                         </a:spcBef>
                         <a:spcAft>
-                          <a:spcPts val="300"/>
+                          <a:spcPts val="500"/>
                         </a:spcAft>
                         <a:buNone/>
                       </a:pPr>
@@ -7892,15 +8670,15 @@
                     <a:bodyPr/>
                     <a:lstStyle/>
                     <a:p>
-                      <a:pPr algn="l" marL="38100" marR="38100">
+                      <a:pPr algn="l" marL="63500" marR="63500">
                         <a:lnSpc>
                           <a:spcPct val="100000"/>
                         </a:lnSpc>
                         <a:spcBef>
-                          <a:spcPts val="300"/>
+                          <a:spcPts val="500"/>
                         </a:spcBef>
                         <a:spcAft>
-                          <a:spcPts val="300"/>
+                          <a:spcPts val="500"/>
                         </a:spcAft>
                         <a:buNone/>
                       </a:pPr>
@@ -7954,21 +8732,21 @@
                   </a:tcPr>
                 </a:tc>
               </a:tr>
-              <a:tr h="404785">
+              <a:tr h="472519">
                 <a:tc>
                   <a:txBody>
                     <a:bodyPr/>
                     <a:lstStyle/>
                     <a:p>
-                      <a:pPr algn="l" marL="38100" marR="38100">
+                      <a:pPr algn="l" marL="63500" marR="63500">
                         <a:lnSpc>
                           <a:spcPct val="100000"/>
                         </a:lnSpc>
                         <a:spcBef>
-                          <a:spcPts val="300"/>
+                          <a:spcPts val="500"/>
                         </a:spcBef>
                         <a:spcAft>
-                          <a:spcPts val="300"/>
+                          <a:spcPts val="500"/>
                         </a:spcAft>
                         <a:buNone/>
                       </a:pPr>
@@ -8026,15 +8804,15 @@
                     <a:bodyPr/>
                     <a:lstStyle/>
                     <a:p>
-                      <a:pPr algn="l" marL="38100" marR="38100">
+                      <a:pPr algn="l" marL="63500" marR="63500">
                         <a:lnSpc>
                           <a:spcPct val="100000"/>
                         </a:lnSpc>
                         <a:spcBef>
-                          <a:spcPts val="300"/>
+                          <a:spcPts val="500"/>
                         </a:spcBef>
                         <a:spcAft>
-                          <a:spcPts val="300"/>
+                          <a:spcPts val="500"/>
                         </a:spcAft>
                         <a:buNone/>
                       </a:pPr>
@@ -8092,15 +8870,15 @@
                     <a:bodyPr/>
                     <a:lstStyle/>
                     <a:p>
-                      <a:pPr algn="l" marL="38100" marR="38100">
+                      <a:pPr algn="l" marL="63500" marR="63500">
                         <a:lnSpc>
                           <a:spcPct val="100000"/>
                         </a:lnSpc>
                         <a:spcBef>
-                          <a:spcPts val="300"/>
+                          <a:spcPts val="500"/>
                         </a:spcBef>
                         <a:spcAft>
-                          <a:spcPts val="300"/>
+                          <a:spcPts val="500"/>
                         </a:spcAft>
                         <a:buNone/>
                       </a:pPr>
@@ -8154,21 +8932,21 @@
                   </a:tcPr>
                 </a:tc>
               </a:tr>
-              <a:tr h="362369">
+              <a:tr h="430103">
                 <a:tc>
                   <a:txBody>
                     <a:bodyPr/>
                     <a:lstStyle/>
                     <a:p>
-                      <a:pPr algn="l" marL="38100" marR="38100">
+                      <a:pPr algn="l" marL="63500" marR="63500">
                         <a:lnSpc>
                           <a:spcPct val="100000"/>
                         </a:lnSpc>
                         <a:spcBef>
-                          <a:spcPts val="300"/>
+                          <a:spcPts val="500"/>
                         </a:spcBef>
                         <a:spcAft>
-                          <a:spcPts val="300"/>
+                          <a:spcPts val="500"/>
                         </a:spcAft>
                         <a:buNone/>
                       </a:pPr>
@@ -8226,15 +9004,15 @@
                     <a:bodyPr/>
                     <a:lstStyle/>
                     <a:p>
-                      <a:pPr algn="l" marL="38100" marR="38100">
+                      <a:pPr algn="l" marL="63500" marR="63500">
                         <a:lnSpc>
                           <a:spcPct val="100000"/>
                         </a:lnSpc>
                         <a:spcBef>
-                          <a:spcPts val="300"/>
+                          <a:spcPts val="500"/>
                         </a:spcBef>
                         <a:spcAft>
-                          <a:spcPts val="300"/>
+                          <a:spcPts val="500"/>
                         </a:spcAft>
                         <a:buNone/>
                       </a:pPr>
@@ -8292,15 +9070,15 @@
                     <a:bodyPr/>
                     <a:lstStyle/>
                     <a:p>
-                      <a:pPr algn="l" marL="38100" marR="38100">
+                      <a:pPr algn="l" marL="63500" marR="63500">
                         <a:lnSpc>
                           <a:spcPct val="100000"/>
                         </a:lnSpc>
                         <a:spcBef>
-                          <a:spcPts val="300"/>
+                          <a:spcPts val="500"/>
                         </a:spcBef>
                         <a:spcAft>
-                          <a:spcPts val="300"/>
+                          <a:spcPts val="500"/>
                         </a:spcAft>
                         <a:buNone/>
                       </a:pPr>
@@ -8358,6 +9136,272 @@
           </a:graphicData>
         </a:graphic>
       </p:graphicFrame>
+    </p:spTree>
+  </p:cSld>
+</p:sld>
+</file>
+
+<file path=ppt/slides/slide20.xml><?xml version="1.0" encoding="utf-8"?>
+<p:sld xmlns:a="http://schemas.openxmlformats.org/drawingml/2006/main" xmlns:r="http://schemas.openxmlformats.org/officeDocument/2006/relationships" xmlns:p="http://schemas.openxmlformats.org/presentationml/2006/main">
+  <p:cSld>
+    <p:spTree>
+      <p:nvGrpSpPr>
+        <p:cNvPr id="1" name=""/>
+        <p:cNvGrpSpPr/>
+        <p:nvPr/>
+      </p:nvGrpSpPr>
+      <p:grpSpPr>
+        <a:xfrm>
+          <a:off x="0" y="0"/>
+          <a:ext cx="0" cy="0"/>
+          <a:chOff x="0" y="0"/>
+          <a:chExt cx="0" cy="0"/>
+        </a:xfrm>
+      </p:grpSpPr>
+      <p:sp>
+        <p:nvSpPr>
+          <p:cNvPr id="2" name="Title 1"/>
+          <p:cNvSpPr>
+            <a:spLocks noGrp="1"/>
+          </p:cNvSpPr>
+          <p:nvPr>
+            <p:ph type="title"/>
+          </p:nvPr>
+        </p:nvSpPr>
+        <p:spPr/>
+        <p:txBody>
+          <a:bodyPr/>
+          <a:lstStyle/>
+          <a:p>
+            <a:pPr lvl="0" marL="0" indent="0">
+              <a:buNone/>
+            </a:pPr>
+            <a:r>
+              <a:rPr/>
+              <a:t>Challenges</a:t>
+            </a:r>
+          </a:p>
+        </p:txBody>
+      </p:sp>
+      <p:sp>
+        <p:nvSpPr>
+          <p:cNvPr id="3" name="Content Placeholder 2"/>
+          <p:cNvSpPr>
+            <a:spLocks noGrp="1"/>
+          </p:cNvSpPr>
+          <p:nvPr>
+            <p:ph idx="1"/>
+          </p:nvPr>
+        </p:nvSpPr>
+        <p:spPr/>
+        <p:txBody>
+          <a:bodyPr/>
+          <a:lstStyle/>
+          <a:p>
+            <a:pPr lvl="1"/>
+            <a:r>
+              <a:rPr/>
+              <a:t>Time flies</a:t>
+            </a:r>
+          </a:p>
+          <a:p>
+            <a:pPr lvl="1"/>
+            <a:r>
+              <a:rPr/>
+              <a:t>Virtual setting</a:t>
+            </a:r>
+          </a:p>
+        </p:txBody>
+      </p:sp>
+    </p:spTree>
+  </p:cSld>
+</p:sld>
+</file>
+
+<file path=ppt/slides/slide21.xml><?xml version="1.0" encoding="utf-8"?>
+<p:sld xmlns:a="http://schemas.openxmlformats.org/drawingml/2006/main" xmlns:r="http://schemas.openxmlformats.org/officeDocument/2006/relationships" xmlns:p="http://schemas.openxmlformats.org/presentationml/2006/main">
+  <p:cSld>
+    <p:spTree>
+      <p:nvGrpSpPr>
+        <p:cNvPr id="1" name=""/>
+        <p:cNvGrpSpPr/>
+        <p:nvPr/>
+      </p:nvGrpSpPr>
+      <p:grpSpPr>
+        <a:xfrm>
+          <a:off x="0" y="0"/>
+          <a:ext cx="0" cy="0"/>
+          <a:chOff x="0" y="0"/>
+          <a:chExt cx="0" cy="0"/>
+        </a:xfrm>
+      </p:grpSpPr>
+      <p:sp>
+        <p:nvSpPr>
+          <p:cNvPr id="2" name="Title 1"/>
+          <p:cNvSpPr>
+            <a:spLocks noGrp="1"/>
+          </p:cNvSpPr>
+          <p:nvPr>
+            <p:ph type="title"/>
+          </p:nvPr>
+        </p:nvSpPr>
+        <p:spPr/>
+        <p:txBody>
+          <a:bodyPr/>
+          <a:lstStyle/>
+          <a:p>
+            <a:pPr lvl="0" marL="0" indent="0">
+              <a:buNone/>
+            </a:pPr>
+            <a:r>
+              <a:rPr/>
+              <a:t>How</a:t>
+            </a:r>
+            <a:r>
+              <a:rPr/>
+              <a:t> </a:t>
+            </a:r>
+            <a:r>
+              <a:rPr/>
+              <a:t>far</a:t>
+            </a:r>
+            <a:r>
+              <a:rPr/>
+              <a:t> </a:t>
+            </a:r>
+            <a:r>
+              <a:rPr/>
+              <a:t>did</a:t>
+            </a:r>
+            <a:r>
+              <a:rPr/>
+              <a:t> </a:t>
+            </a:r>
+            <a:r>
+              <a:rPr/>
+              <a:t>we</a:t>
+            </a:r>
+            <a:r>
+              <a:rPr/>
+              <a:t> </a:t>
+            </a:r>
+            <a:r>
+              <a:rPr/>
+              <a:t>get?</a:t>
+            </a:r>
+          </a:p>
+        </p:txBody>
+      </p:sp>
+    </p:spTree>
+  </p:cSld>
+</p:sld>
+</file>
+
+<file path=ppt/slides/slide22.xml><?xml version="1.0" encoding="utf-8"?>
+<p:sld xmlns:a="http://schemas.openxmlformats.org/drawingml/2006/main" xmlns:r="http://schemas.openxmlformats.org/officeDocument/2006/relationships" xmlns:p="http://schemas.openxmlformats.org/presentationml/2006/main">
+  <p:cSld>
+    <p:spTree>
+      <p:nvGrpSpPr>
+        <p:cNvPr id="1" name=""/>
+        <p:cNvGrpSpPr/>
+        <p:nvPr/>
+      </p:nvGrpSpPr>
+      <p:grpSpPr>
+        <a:xfrm>
+          <a:off x="0" y="0"/>
+          <a:ext cx="0" cy="0"/>
+          <a:chOff x="0" y="0"/>
+          <a:chExt cx="0" cy="0"/>
+        </a:xfrm>
+      </p:grpSpPr>
+      <p:sp>
+        <p:nvSpPr>
+          <p:cNvPr id="2" name="Title 1"/>
+          <p:cNvSpPr>
+            <a:spLocks noGrp="1"/>
+          </p:cNvSpPr>
+          <p:nvPr>
+            <p:ph type="title"/>
+          </p:nvPr>
+        </p:nvSpPr>
+        <p:spPr/>
+        <p:txBody>
+          <a:bodyPr/>
+          <a:lstStyle/>
+          <a:p>
+            <a:pPr lvl="0" marL="0" indent="0">
+              <a:buNone/>
+            </a:pPr>
+            <a:r>
+              <a:rPr/>
+              <a:t>Next</a:t>
+            </a:r>
+            <a:r>
+              <a:rPr/>
+              <a:t> </a:t>
+            </a:r>
+            <a:r>
+              <a:rPr/>
+              <a:t>steps</a:t>
+            </a:r>
+          </a:p>
+        </p:txBody>
+      </p:sp>
+    </p:spTree>
+  </p:cSld>
+</p:sld>
+</file>
+
+<file path=ppt/slides/slide23.xml><?xml version="1.0" encoding="utf-8"?>
+<p:sld xmlns:a="http://schemas.openxmlformats.org/drawingml/2006/main" xmlns:r="http://schemas.openxmlformats.org/officeDocument/2006/relationships" xmlns:p="http://schemas.openxmlformats.org/presentationml/2006/main">
+  <p:cSld>
+    <p:spTree>
+      <p:nvGrpSpPr>
+        <p:cNvPr id="1" name=""/>
+        <p:cNvGrpSpPr/>
+        <p:nvPr/>
+      </p:nvGrpSpPr>
+      <p:grpSpPr>
+        <a:xfrm>
+          <a:off x="0" y="0"/>
+          <a:ext cx="0" cy="0"/>
+          <a:chOff x="0" y="0"/>
+          <a:chExt cx="0" cy="0"/>
+        </a:xfrm>
+      </p:grpSpPr>
+      <p:sp>
+        <p:nvSpPr>
+          <p:cNvPr id="2" name="Title 1"/>
+          <p:cNvSpPr>
+            <a:spLocks noGrp="1"/>
+          </p:cNvSpPr>
+          <p:nvPr>
+            <p:ph type="title"/>
+          </p:nvPr>
+        </p:nvSpPr>
+        <p:spPr/>
+        <p:txBody>
+          <a:bodyPr/>
+          <a:lstStyle/>
+          <a:p>
+            <a:pPr lvl="0" marL="0" indent="0">
+              <a:buNone/>
+            </a:pPr>
+            <a:r>
+              <a:rPr/>
+              <a:t>Expected</a:t>
+            </a:r>
+            <a:r>
+              <a:rPr/>
+              <a:t> </a:t>
+            </a:r>
+            <a:r>
+              <a:rPr/>
+              <a:t>outcomes</a:t>
+            </a:r>
+          </a:p>
+        </p:txBody>
+      </p:sp>
     </p:spTree>
   </p:cSld>
 </p:sld>
@@ -8469,7 +9513,7 @@
           </a:p>
           <a:p>
             <a:pPr lvl="1">
-              <a:buAutoNum startAt="5" type="alphaUcParenR"/>
+              <a:buAutoNum type="alphaUcParenR"/>
             </a:pPr>
             <a:r>
               <a:rPr/>
@@ -8927,37 +9971,31 @@
             </a:pPr>
             <a:r>
               <a:rPr/>
-              <a:t>Challenges</a:t>
-            </a:r>
-          </a:p>
-        </p:txBody>
-      </p:sp>
-      <p:sp>
-        <p:nvSpPr>
-          <p:cNvPr id="3" name="Content Placeholder 2"/>
-          <p:cNvSpPr>
-            <a:spLocks noGrp="1"/>
-          </p:cNvSpPr>
-          <p:nvPr>
-            <p:ph idx="1"/>
-          </p:nvPr>
-        </p:nvSpPr>
-        <p:spPr/>
-        <p:txBody>
-          <a:bodyPr/>
-          <a:lstStyle/>
-          <a:p>
-            <a:pPr lvl="1"/>
-            <a:r>
-              <a:rPr/>
-              <a:t>Time flies</a:t>
-            </a:r>
-          </a:p>
-          <a:p>
-            <a:pPr lvl="1"/>
-            <a:r>
-              <a:rPr/>
-              <a:t>Virtual setting</a:t>
+              <a:t>Preliminary</a:t>
+            </a:r>
+            <a:r>
+              <a:rPr/>
+              <a:t> </a:t>
+            </a:r>
+            <a:r>
+              <a:rPr/>
+              <a:t>results</a:t>
+            </a:r>
+            <a:r>
+              <a:rPr/>
+              <a:t> </a:t>
+            </a:r>
+            <a:r>
+              <a:rPr/>
+              <a:t>from</a:t>
+            </a:r>
+            <a:r>
+              <a:rPr/>
+              <a:t> </a:t>
+            </a:r>
+            <a:r>
+              <a:rPr/>
+              <a:t>sub-groups</a:t>
             </a:r>
           </a:p>
         </p:txBody>
@@ -9004,7 +10042,7 @@
             </a:pPr>
             <a:r>
               <a:rPr/>
-              <a:t>How</a:t>
+              <a:t>Covariates</a:t>
             </a:r>
             <a:r>
               <a:rPr/>
@@ -9012,7 +10050,7 @@
             </a:r>
             <a:r>
               <a:rPr/>
-              <a:t>far</a:t>
+              <a:t>-</a:t>
             </a:r>
             <a:r>
               <a:rPr/>
@@ -9020,23 +10058,7 @@
             </a:r>
             <a:r>
               <a:rPr/>
-              <a:t>did</a:t>
-            </a:r>
-            <a:r>
-              <a:rPr/>
-              <a:t> </a:t>
-            </a:r>
-            <a:r>
-              <a:rPr/>
-              <a:t>we</a:t>
-            </a:r>
-            <a:r>
-              <a:rPr/>
-              <a:t> </a:t>
-            </a:r>
-            <a:r>
-              <a:rPr/>
-              <a:t>get?</a:t>
+              <a:t>Philina</a:t>
             </a:r>
           </a:p>
         </p:txBody>

--- a/report/sim-geostat-survey-report.pptx
+++ b/report/sim-geostat-survey-report.pptx
@@ -16,6 +16,21 @@
     <p:sldId id="264" r:id="rId10"/>
     <p:sldId id="265" r:id="rId11"/>
     <p:sldId id="266" r:id="rId12"/>
+    <p:sldId id="267" r:id="rId13"/>
+    <p:sldId id="268" r:id="rId14"/>
+    <p:sldId id="269" r:id="rId15"/>
+    <p:sldId id="270" r:id="rId16"/>
+    <p:sldId id="271" r:id="rId17"/>
+    <p:sldId id="272" r:id="rId18"/>
+    <p:sldId id="273" r:id="rId19"/>
+    <p:sldId id="274" r:id="rId20"/>
+    <p:sldId id="275" r:id="rId21"/>
+    <p:sldId id="276" r:id="rId22"/>
+    <p:sldId id="277" r:id="rId23"/>
+    <p:sldId id="278" r:id="rId24"/>
+    <p:sldId id="279" r:id="rId25"/>
+    <p:sldId id="280" r:id="rId26"/>
+    <p:sldId id="281" r:id="rId27"/>
   </p:sldIdLst>
   <p:sldSz cx="12192000" cy="6858000"/>
   <p:notesSz cx="6858000" cy="9144000"/>
@@ -6031,6 +6046,36 @@
           </a:p>
         </p:txBody>
       </p:sp>
+      <p:sp>
+        <p:nvSpPr>
+          <p:cNvPr id="3" name="Content Placeholder 2"/>
+          <p:cNvSpPr>
+            <a:spLocks noGrp="1"/>
+          </p:cNvSpPr>
+          <p:nvPr>
+            <p:ph idx="1"/>
+          </p:nvPr>
+        </p:nvSpPr>
+        <p:spPr/>
+        <p:txBody>
+          <a:bodyPr/>
+          <a:lstStyle/>
+          <a:p>
+            <a:pPr lvl="1"/>
+            <a:r>
+              <a:rPr/>
+              <a:t>Use the tools to gain comfortable</a:t>
+            </a:r>
+          </a:p>
+          <a:p>
+            <a:pPr lvl="1"/>
+            <a:r>
+              <a:rPr/>
+              <a:t>Future collaboration to explore important questions</a:t>
+            </a:r>
+          </a:p>
+        </p:txBody>
+      </p:sp>
     </p:spTree>
   </p:cSld>
 </p:sld>
@@ -6086,6 +6131,670 @@
           </a:p>
         </p:txBody>
       </p:sp>
+      <p:sp>
+        <p:nvSpPr>
+          <p:cNvPr id="3" name="Content Placeholder 2"/>
+          <p:cNvSpPr>
+            <a:spLocks noGrp="1"/>
+          </p:cNvSpPr>
+          <p:nvPr>
+            <p:ph idx="1"/>
+          </p:nvPr>
+        </p:nvSpPr>
+        <p:spPr/>
+        <p:txBody>
+          <a:bodyPr/>
+          <a:lstStyle/>
+          <a:p>
+            <a:pPr lvl="1"/>
+            <a:r>
+              <a:rPr/>
+              <a:t>Repo with code</a:t>
+            </a:r>
+          </a:p>
+          <a:p>
+            <a:pPr lvl="1"/>
+            <a:r>
+              <a:rPr/>
+              <a:t>Some familiarity with these tools</a:t>
+            </a:r>
+          </a:p>
+          <a:p>
+            <a:pPr lvl="1"/>
+            <a:r>
+              <a:rPr/>
+              <a:t>Ideas for additional functionality of SimSurvey</a:t>
+            </a:r>
+          </a:p>
+          <a:p>
+            <a:pPr lvl="1"/>
+            <a:r>
+              <a:rPr/>
+              <a:t>Sense of potential real-world applications - need more time</a:t>
+            </a:r>
+          </a:p>
+          <a:p>
+            <a:pPr lvl="1"/>
+            <a:r>
+              <a:rPr/>
+              <a:t>Lots of interesting questions raised and could be explored</a:t>
+            </a:r>
+          </a:p>
+        </p:txBody>
+      </p:sp>
+    </p:spTree>
+  </p:cSld>
+</p:sld>
+</file>
+
+<file path=ppt/slides/slide12.xml><?xml version="1.0" encoding="utf-8"?>
+<p:sld xmlns:a="http://schemas.openxmlformats.org/drawingml/2006/main" xmlns:r="http://schemas.openxmlformats.org/officeDocument/2006/relationships" xmlns:p="http://schemas.openxmlformats.org/presentationml/2006/main">
+  <p:cSld>
+    <p:spTree>
+      <p:nvGrpSpPr>
+        <p:cNvPr id="1" name=""/>
+        <p:cNvGrpSpPr/>
+        <p:nvPr/>
+      </p:nvGrpSpPr>
+      <p:grpSpPr>
+        <a:xfrm>
+          <a:off x="0" y="0"/>
+          <a:ext cx="0" cy="0"/>
+          <a:chOff x="0" y="0"/>
+          <a:chExt cx="0" cy="0"/>
+        </a:xfrm>
+      </p:grpSpPr>
+      <p:sp>
+        <p:nvSpPr>
+          <p:cNvPr id="2" name="Title 1"/>
+          <p:cNvSpPr>
+            <a:spLocks noGrp="1"/>
+          </p:cNvSpPr>
+          <p:nvPr>
+            <p:ph type="title"/>
+          </p:nvPr>
+        </p:nvSpPr>
+        <p:spPr/>
+        <p:txBody>
+          <a:bodyPr/>
+          <a:lstStyle/>
+          <a:p>
+            <a:pPr lvl="0" marL="0" indent="0">
+              <a:buNone/>
+            </a:pPr>
+            <a:r>
+              <a:rPr/>
+              <a:t>Preliminary</a:t>
+            </a:r>
+            <a:r>
+              <a:rPr/>
+              <a:t> </a:t>
+            </a:r>
+            <a:r>
+              <a:rPr/>
+              <a:t>results</a:t>
+            </a:r>
+            <a:r>
+              <a:rPr/>
+              <a:t> </a:t>
+            </a:r>
+            <a:r>
+              <a:rPr/>
+              <a:t>from</a:t>
+            </a:r>
+            <a:r>
+              <a:rPr/>
+              <a:t> </a:t>
+            </a:r>
+            <a:r>
+              <a:rPr/>
+              <a:t>sub-groups</a:t>
+            </a:r>
+          </a:p>
+        </p:txBody>
+      </p:sp>
+    </p:spTree>
+  </p:cSld>
+</p:sld>
+</file>
+
+<file path=ppt/slides/slide13.xml><?xml version="1.0" encoding="utf-8"?>
+<p:sld xmlns:a="http://schemas.openxmlformats.org/drawingml/2006/main" xmlns:r="http://schemas.openxmlformats.org/officeDocument/2006/relationships" xmlns:p="http://schemas.openxmlformats.org/presentationml/2006/main">
+  <p:cSld>
+    <p:spTree>
+      <p:nvGrpSpPr>
+        <p:cNvPr id="1" name=""/>
+        <p:cNvGrpSpPr/>
+        <p:nvPr/>
+      </p:nvGrpSpPr>
+      <p:grpSpPr>
+        <a:xfrm>
+          <a:off x="0" y="0"/>
+          <a:ext cx="0" cy="0"/>
+          <a:chOff x="0" y="0"/>
+          <a:chExt cx="0" cy="0"/>
+        </a:xfrm>
+      </p:grpSpPr>
+      <p:sp>
+        <p:nvSpPr>
+          <p:cNvPr id="2" name="Title 1"/>
+          <p:cNvSpPr>
+            <a:spLocks noGrp="1"/>
+          </p:cNvSpPr>
+          <p:nvPr>
+            <p:ph type="title"/>
+          </p:nvPr>
+        </p:nvSpPr>
+        <p:spPr/>
+        <p:txBody>
+          <a:bodyPr/>
+          <a:lstStyle/>
+          <a:p>
+            <a:pPr lvl="0" marL="0" indent="0">
+              <a:buNone/>
+            </a:pPr>
+            <a:r>
+              <a:rPr/>
+              <a:t>Covariates</a:t>
+            </a:r>
+            <a:r>
+              <a:rPr/>
+              <a:t> </a:t>
+            </a:r>
+            <a:r>
+              <a:rPr/>
+              <a:t>-</a:t>
+            </a:r>
+            <a:r>
+              <a:rPr/>
+              <a:t> </a:t>
+            </a:r>
+            <a:r>
+              <a:rPr/>
+              <a:t>Philina</a:t>
+            </a:r>
+          </a:p>
+        </p:txBody>
+      </p:sp>
+      <p:sp>
+        <p:nvSpPr>
+          <p:cNvPr id="3" name="Content Placeholder 2"/>
+          <p:cNvSpPr>
+            <a:spLocks noGrp="1"/>
+          </p:cNvSpPr>
+          <p:nvPr>
+            <p:ph idx="1"/>
+          </p:nvPr>
+        </p:nvSpPr>
+        <p:spPr/>
+        <p:txBody>
+          <a:bodyPr/>
+          <a:lstStyle/>
+          <a:p>
+            <a:pPr lvl="1"/>
+            <a:r>
+              <a:rPr/>
+              <a:t>simulating relationships with depth benefit from realistic depth profiles</a:t>
+            </a:r>
+          </a:p>
+        </p:txBody>
+      </p:sp>
+    </p:spTree>
+  </p:cSld>
+</p:sld>
+</file>
+
+<file path=ppt/slides/slide14.xml><?xml version="1.0" encoding="utf-8"?>
+<p:sld xmlns:a="http://schemas.openxmlformats.org/drawingml/2006/main" xmlns:r="http://schemas.openxmlformats.org/officeDocument/2006/relationships" xmlns:p="http://schemas.openxmlformats.org/presentationml/2006/main">
+  <p:cSld>
+    <p:spTree>
+      <p:nvGrpSpPr>
+        <p:cNvPr id="1" name=""/>
+        <p:cNvGrpSpPr/>
+        <p:nvPr/>
+      </p:nvGrpSpPr>
+      <p:grpSpPr>
+        <a:xfrm>
+          <a:off x="0" y="0"/>
+          <a:ext cx="0" cy="0"/>
+          <a:chOff x="0" y="0"/>
+          <a:chExt cx="0" cy="0"/>
+        </a:xfrm>
+      </p:grpSpPr>
+      <p:pic>
+        <p:nvPicPr>
+          <p:cNvPr descr="real-depth-profile.png" id="0" name="Picture 1"/>
+          <p:cNvPicPr>
+            <a:picLocks noGrp="1" noChangeAspect="1"/>
+          </p:cNvPicPr>
+          <p:nvPr/>
+        </p:nvPicPr>
+        <p:blipFill>
+          <a:blip r:embed="rId2"/>
+          <a:stretch>
+            <a:fillRect/>
+          </a:stretch>
+        </p:blipFill>
+        <p:spPr bwMode="auto">
+          <a:xfrm>
+            <a:off x="2755900" y="2159000"/>
+            <a:ext cx="4419600" cy="3873500"/>
+          </a:xfrm>
+          <a:prstGeom prst="rect">
+            <a:avLst/>
+          </a:prstGeom>
+          <a:noFill/>
+          <a:ln w="9525">
+            <a:noFill/>
+            <a:headEnd/>
+            <a:tailEnd/>
+          </a:ln>
+        </p:spPr>
+      </p:pic>
+    </p:spTree>
+  </p:cSld>
+</p:sld>
+</file>
+
+<file path=ppt/slides/slide15.xml><?xml version="1.0" encoding="utf-8"?>
+<p:sld xmlns:a="http://schemas.openxmlformats.org/drawingml/2006/main" xmlns:r="http://schemas.openxmlformats.org/officeDocument/2006/relationships" xmlns:p="http://schemas.openxmlformats.org/presentationml/2006/main">
+  <p:cSld>
+    <p:spTree>
+      <p:nvGrpSpPr>
+        <p:cNvPr id="1" name=""/>
+        <p:cNvGrpSpPr/>
+        <p:nvPr/>
+      </p:nvGrpSpPr>
+      <p:grpSpPr>
+        <a:xfrm>
+          <a:off x="0" y="0"/>
+          <a:ext cx="0" cy="0"/>
+          <a:chOff x="0" y="0"/>
+          <a:chExt cx="0" cy="0"/>
+        </a:xfrm>
+      </p:grpSpPr>
+      <p:sp>
+        <p:nvSpPr>
+          <p:cNvPr id="2" name="Title 1"/>
+          <p:cNvSpPr>
+            <a:spLocks noGrp="1"/>
+          </p:cNvSpPr>
+          <p:nvPr>
+            <p:ph type="title"/>
+          </p:nvPr>
+        </p:nvSpPr>
+        <p:spPr/>
+        <p:txBody>
+          <a:bodyPr/>
+          <a:lstStyle/>
+          <a:p>
+            <a:pPr lvl="0" marL="0" indent="0">
+              <a:buNone/>
+            </a:pPr>
+            <a:r>
+              <a:rPr/>
+              <a:t>Covariates</a:t>
+            </a:r>
+            <a:r>
+              <a:rPr/>
+              <a:t> </a:t>
+            </a:r>
+            <a:r>
+              <a:rPr/>
+              <a:t>-</a:t>
+            </a:r>
+            <a:r>
+              <a:rPr/>
+              <a:t> </a:t>
+            </a:r>
+            <a:r>
+              <a:rPr/>
+              <a:t>Philina</a:t>
+            </a:r>
+          </a:p>
+        </p:txBody>
+      </p:sp>
+      <p:sp>
+        <p:nvSpPr>
+          <p:cNvPr id="3" name="Content Placeholder 2"/>
+          <p:cNvSpPr>
+            <a:spLocks noGrp="1"/>
+          </p:cNvSpPr>
+          <p:nvPr>
+            <p:ph idx="1"/>
+          </p:nvPr>
+        </p:nvSpPr>
+        <p:spPr/>
+        <p:txBody>
+          <a:bodyPr/>
+          <a:lstStyle/>
+          <a:p>
+            <a:pPr lvl="1"/>
+            <a:r>
+              <a:rPr/>
+              <a:t>sdmTMB was able to resolve the underlying depth preference (red = true, black = model prediction)</a:t>
+            </a:r>
+          </a:p>
+        </p:txBody>
+      </p:sp>
+    </p:spTree>
+  </p:cSld>
+</p:sld>
+</file>
+
+<file path=ppt/slides/slide16.xml><?xml version="1.0" encoding="utf-8"?>
+<p:sld xmlns:a="http://schemas.openxmlformats.org/drawingml/2006/main" xmlns:r="http://schemas.openxmlformats.org/officeDocument/2006/relationships" xmlns:p="http://schemas.openxmlformats.org/presentationml/2006/main">
+  <p:cSld>
+    <p:spTree>
+      <p:nvGrpSpPr>
+        <p:cNvPr id="1" name=""/>
+        <p:cNvGrpSpPr/>
+        <p:nvPr/>
+      </p:nvGrpSpPr>
+      <p:grpSpPr>
+        <a:xfrm>
+          <a:off x="0" y="0"/>
+          <a:ext cx="0" cy="0"/>
+          <a:chOff x="0" y="0"/>
+          <a:chExt cx="0" cy="0"/>
+        </a:xfrm>
+      </p:grpSpPr>
+      <p:pic>
+        <p:nvPicPr>
+          <p:cNvPr descr="depth-estimate.png" id="0" name="Picture 1"/>
+          <p:cNvPicPr>
+            <a:picLocks noGrp="1" noChangeAspect="1"/>
+          </p:cNvPicPr>
+          <p:nvPr/>
+        </p:nvPicPr>
+        <p:blipFill>
+          <a:blip r:embed="rId2"/>
+          <a:stretch>
+            <a:fillRect/>
+          </a:stretch>
+        </p:blipFill>
+        <p:spPr bwMode="auto">
+          <a:xfrm>
+            <a:off x="2540000" y="2159000"/>
+            <a:ext cx="4864100" cy="3873500"/>
+          </a:xfrm>
+          <a:prstGeom prst="rect">
+            <a:avLst/>
+          </a:prstGeom>
+          <a:noFill/>
+          <a:ln w="9525">
+            <a:noFill/>
+            <a:headEnd/>
+            <a:tailEnd/>
+          </a:ln>
+        </p:spPr>
+      </p:pic>
+    </p:spTree>
+  </p:cSld>
+</p:sld>
+</file>
+
+<file path=ppt/slides/slide17.xml><?xml version="1.0" encoding="utf-8"?>
+<p:sld xmlns:a="http://schemas.openxmlformats.org/drawingml/2006/main" xmlns:r="http://schemas.openxmlformats.org/officeDocument/2006/relationships" xmlns:p="http://schemas.openxmlformats.org/presentationml/2006/main">
+  <p:cSld>
+    <p:spTree>
+      <p:nvGrpSpPr>
+        <p:cNvPr id="1" name=""/>
+        <p:cNvGrpSpPr/>
+        <p:nvPr/>
+      </p:nvGrpSpPr>
+      <p:grpSpPr>
+        <a:xfrm>
+          <a:off x="0" y="0"/>
+          <a:ext cx="0" cy="0"/>
+          <a:chOff x="0" y="0"/>
+          <a:chExt cx="0" cy="0"/>
+        </a:xfrm>
+      </p:grpSpPr>
+      <p:sp>
+        <p:nvSpPr>
+          <p:cNvPr id="2" name="Title 1"/>
+          <p:cNvSpPr>
+            <a:spLocks noGrp="1"/>
+          </p:cNvSpPr>
+          <p:nvPr>
+            <p:ph type="title"/>
+          </p:nvPr>
+        </p:nvSpPr>
+        <p:spPr/>
+        <p:txBody>
+          <a:bodyPr/>
+          <a:lstStyle/>
+          <a:p>
+            <a:pPr lvl="0" marL="0" indent="0">
+              <a:buNone/>
+            </a:pPr>
+            <a:r>
+              <a:rPr/>
+              <a:t>Covariates</a:t>
+            </a:r>
+            <a:r>
+              <a:rPr/>
+              <a:t> </a:t>
+            </a:r>
+            <a:r>
+              <a:rPr/>
+              <a:t>-</a:t>
+            </a:r>
+            <a:r>
+              <a:rPr/>
+              <a:t> </a:t>
+            </a:r>
+            <a:r>
+              <a:rPr/>
+              <a:t>Philina</a:t>
+            </a:r>
+          </a:p>
+        </p:txBody>
+      </p:sp>
+      <p:sp>
+        <p:nvSpPr>
+          <p:cNvPr id="3" name="Content Placeholder 2"/>
+          <p:cNvSpPr>
+            <a:spLocks noGrp="1"/>
+          </p:cNvSpPr>
+          <p:nvPr>
+            <p:ph idx="1"/>
+          </p:nvPr>
+        </p:nvSpPr>
+        <p:spPr/>
+        <p:txBody>
+          <a:bodyPr/>
+          <a:lstStyle/>
+          <a:p>
+            <a:pPr lvl="1"/>
+            <a:r>
+              <a:rPr/>
+              <a:t>adding depth can narrow uncertainty in model based estimates (at least when data available to model is very limited)</a:t>
+            </a:r>
+          </a:p>
+        </p:txBody>
+      </p:sp>
+    </p:spTree>
+  </p:cSld>
+</p:sld>
+</file>
+
+<file path=ppt/slides/slide18.xml><?xml version="1.0" encoding="utf-8"?>
+<p:sld xmlns:a="http://schemas.openxmlformats.org/drawingml/2006/main" xmlns:r="http://schemas.openxmlformats.org/officeDocument/2006/relationships" xmlns:p="http://schemas.openxmlformats.org/presentationml/2006/main">
+  <p:cSld>
+    <p:spTree>
+      <p:nvGrpSpPr>
+        <p:cNvPr id="1" name=""/>
+        <p:cNvGrpSpPr/>
+        <p:nvPr/>
+      </p:nvGrpSpPr>
+      <p:grpSpPr>
+        <a:xfrm>
+          <a:off x="0" y="0"/>
+          <a:ext cx="0" cy="0"/>
+          <a:chOff x="0" y="0"/>
+          <a:chExt cx="0" cy="0"/>
+        </a:xfrm>
+      </p:grpSpPr>
+      <p:pic>
+        <p:nvPicPr>
+          <p:cNvPr descr="covariate-sims-w-real-depth.png" id="0" name="Picture 1"/>
+          <p:cNvPicPr>
+            <a:picLocks noGrp="1" noChangeAspect="1"/>
+          </p:cNvPicPr>
+          <p:nvPr/>
+        </p:nvPicPr>
+        <p:blipFill>
+          <a:blip r:embed="rId2"/>
+          <a:stretch>
+            <a:fillRect/>
+          </a:stretch>
+        </p:blipFill>
+        <p:spPr bwMode="auto">
+          <a:xfrm>
+            <a:off x="2133600" y="2159000"/>
+            <a:ext cx="5651500" cy="3873500"/>
+          </a:xfrm>
+          <a:prstGeom prst="rect">
+            <a:avLst/>
+          </a:prstGeom>
+          <a:noFill/>
+          <a:ln w="9525">
+            <a:noFill/>
+            <a:headEnd/>
+            <a:tailEnd/>
+          </a:ln>
+        </p:spPr>
+      </p:pic>
+    </p:spTree>
+  </p:cSld>
+</p:sld>
+</file>
+
+<file path=ppt/slides/slide19.xml><?xml version="1.0" encoding="utf-8"?>
+<p:sld xmlns:a="http://schemas.openxmlformats.org/drawingml/2006/main" xmlns:r="http://schemas.openxmlformats.org/officeDocument/2006/relationships" xmlns:p="http://schemas.openxmlformats.org/presentationml/2006/main">
+  <p:cSld>
+    <p:spTree>
+      <p:nvGrpSpPr>
+        <p:cNvPr id="1" name=""/>
+        <p:cNvGrpSpPr/>
+        <p:nvPr/>
+      </p:nvGrpSpPr>
+      <p:grpSpPr>
+        <a:xfrm>
+          <a:off x="0" y="0"/>
+          <a:ext cx="0" cy="0"/>
+          <a:chOff x="0" y="0"/>
+          <a:chExt cx="0" cy="0"/>
+        </a:xfrm>
+      </p:grpSpPr>
+      <p:sp>
+        <p:nvSpPr>
+          <p:cNvPr id="2" name="Title 1"/>
+          <p:cNvSpPr>
+            <a:spLocks noGrp="1"/>
+          </p:cNvSpPr>
+          <p:nvPr>
+            <p:ph type="title"/>
+          </p:nvPr>
+        </p:nvSpPr>
+        <p:spPr/>
+        <p:txBody>
+          <a:bodyPr/>
+          <a:lstStyle/>
+          <a:p>
+            <a:pPr lvl="0" marL="0" indent="0">
+              <a:buNone/>
+            </a:pPr>
+            <a:r>
+              <a:rPr/>
+              <a:t>Stitching</a:t>
+            </a:r>
+            <a:r>
+              <a:rPr/>
+              <a:t> </a:t>
+            </a:r>
+            <a:r>
+              <a:rPr/>
+              <a:t>-</a:t>
+            </a:r>
+            <a:r>
+              <a:rPr/>
+              <a:t> </a:t>
+            </a:r>
+            <a:r>
+              <a:rPr/>
+              <a:t>Quang</a:t>
+            </a:r>
+          </a:p>
+        </p:txBody>
+      </p:sp>
+      <p:sp>
+        <p:nvSpPr>
+          <p:cNvPr id="3" name="Content Placeholder 2"/>
+          <p:cNvSpPr>
+            <a:spLocks noGrp="1"/>
+          </p:cNvSpPr>
+          <p:nvPr>
+            <p:ph idx="1"/>
+          </p:nvPr>
+        </p:nvSpPr>
+        <p:spPr/>
+        <p:txBody>
+          <a:bodyPr/>
+          <a:lstStyle/>
+          <a:p>
+            <a:pPr lvl="1"/>
+            <a:r>
+              <a:rPr/>
+              <a:t>1: Surveys A and B each sample different areas in each year</a:t>
+            </a:r>
+          </a:p>
+          <a:p>
+            <a:pPr lvl="1"/>
+            <a:r>
+              <a:rPr/>
+              <a:t>2: Surveys A and B each sample different areas in alternate years</a:t>
+            </a:r>
+          </a:p>
+          <a:p>
+            <a:pPr lvl="1"/>
+            <a:r>
+              <a:rPr/>
+              <a:t>3: Surveys A and B each sample different areas in alternate years, both sample their respective areas in terminal year</a:t>
+            </a:r>
+          </a:p>
+          <a:p>
+            <a:pPr lvl="1"/>
+            <a:r>
+              <a:rPr/>
+              <a:t>4: Same as #3, also compare to situation where survey A samples entire stock area at half the set density (same effort)</a:t>
+            </a:r>
+          </a:p>
+          <a:p>
+            <a:pPr lvl="1"/>
+            <a:r>
+              <a:rPr/>
+              <a:t>5: Surveys A and B each sample different areas in alternate years, both sample the same area in terminal year</a:t>
+            </a:r>
+          </a:p>
+          <a:p>
+            <a:pPr lvl="1"/>
+            <a:r>
+              <a:rPr/>
+              <a:t>6: Same vessel samples different areas in alternating years, one year, both surveys sample both areas in terminal year</a:t>
+            </a:r>
+          </a:p>
+          <a:p>
+            <a:pPr lvl="1"/>
+            <a:r>
+              <a:rPr/>
+              <a:t>Catchability differ between surveys</a:t>
+            </a:r>
+          </a:p>
+        </p:txBody>
+      </p:sp>
     </p:spTree>
   </p:cSld>
 </p:sld>
@@ -6135,7 +6844,7 @@
       </p:sp>
       <p:graphicFrame xmlns:a="http://schemas.openxmlformats.org/drawingml/2006/main" xmlns:r="http://schemas.openxmlformats.org/officeDocument/2006/relationships" xmlns:p="http://schemas.openxmlformats.org/presentationml/2006/main">
         <p:nvGraphicFramePr>
-          <p:cNvPr id="24771954" name=""/>
+          <p:cNvPr id="792110046" name=""/>
           <p:cNvGraphicFramePr>
             <a:graphicFrameLocks noGrp="true"/>
           </p:cNvGraphicFramePr>
@@ -8363,6 +9072,877 @@
 </p:sld>
 </file>
 
+<file path=ppt/slides/slide20.xml><?xml version="1.0" encoding="utf-8"?>
+<p:sld xmlns:a="http://schemas.openxmlformats.org/drawingml/2006/main" xmlns:r="http://schemas.openxmlformats.org/officeDocument/2006/relationships" xmlns:p="http://schemas.openxmlformats.org/presentationml/2006/main">
+  <p:cSld>
+    <p:spTree>
+      <p:nvGrpSpPr>
+        <p:cNvPr id="1" name=""/>
+        <p:cNvGrpSpPr/>
+        <p:nvPr/>
+      </p:nvGrpSpPr>
+      <p:grpSpPr>
+        <a:xfrm>
+          <a:off x="0" y="0"/>
+          <a:ext cx="0" cy="0"/>
+          <a:chOff x="0" y="0"/>
+          <a:chExt cx="0" cy="0"/>
+        </a:xfrm>
+      </p:grpSpPr>
+      <p:sp>
+        <p:nvSpPr>
+          <p:cNvPr id="2" name="Title 1"/>
+          <p:cNvSpPr>
+            <a:spLocks noGrp="1"/>
+          </p:cNvSpPr>
+          <p:nvPr>
+            <p:ph type="title"/>
+          </p:nvPr>
+        </p:nvSpPr>
+        <p:spPr/>
+        <p:txBody>
+          <a:bodyPr/>
+          <a:lstStyle/>
+          <a:p>
+            <a:pPr lvl="0" marL="0" indent="0">
+              <a:buNone/>
+            </a:pPr>
+            <a:r>
+              <a:rPr/>
+              <a:t>Alternating</a:t>
+            </a:r>
+            <a:r>
+              <a:rPr/>
+              <a:t> </a:t>
+            </a:r>
+            <a:r>
+              <a:rPr/>
+              <a:t>surveys</a:t>
+            </a:r>
+            <a:r>
+              <a:rPr/>
+              <a:t> </a:t>
+            </a:r>
+            <a:r>
+              <a:rPr/>
+              <a:t>in</a:t>
+            </a:r>
+            <a:r>
+              <a:rPr/>
+              <a:t> </a:t>
+            </a:r>
+            <a:r>
+              <a:rPr/>
+              <a:t>alternate</a:t>
+            </a:r>
+            <a:r>
+              <a:rPr/>
+              <a:t> </a:t>
+            </a:r>
+            <a:r>
+              <a:rPr/>
+              <a:t>years</a:t>
+            </a:r>
+            <a:r>
+              <a:rPr/>
+              <a:t> </a:t>
+            </a:r>
+            <a:r>
+              <a:rPr/>
+              <a:t>with</a:t>
+            </a:r>
+            <a:r>
+              <a:rPr/>
+              <a:t> </a:t>
+            </a:r>
+            <a:r>
+              <a:rPr/>
+              <a:t>a</a:t>
+            </a:r>
+            <a:r>
+              <a:rPr/>
+              <a:t> </a:t>
+            </a:r>
+            <a:r>
+              <a:rPr/>
+              <a:t>calibrating</a:t>
+            </a:r>
+            <a:r>
+              <a:rPr/>
+              <a:t> </a:t>
+            </a:r>
+            <a:r>
+              <a:rPr/>
+              <a:t>year</a:t>
+            </a:r>
+            <a:r>
+              <a:rPr/>
+              <a:t> </a:t>
+            </a:r>
+            <a:r>
+              <a:rPr/>
+              <a:t>(Q3-4)</a:t>
+            </a:r>
+          </a:p>
+        </p:txBody>
+      </p:sp>
+      <p:pic>
+        <p:nvPicPr>
+          <p:cNvPr descr="../stitching/stitched_design.png" id="0" name="Picture 1"/>
+          <p:cNvPicPr>
+            <a:picLocks noGrp="1" noChangeAspect="1"/>
+          </p:cNvPicPr>
+          <p:nvPr/>
+        </p:nvPicPr>
+        <p:blipFill>
+          <a:blip r:embed="rId2"/>
+          <a:stretch>
+            <a:fillRect/>
+          </a:stretch>
+        </p:blipFill>
+        <p:spPr bwMode="auto">
+          <a:xfrm>
+            <a:off x="2057400" y="2159000"/>
+            <a:ext cx="5816600" cy="3873500"/>
+          </a:xfrm>
+          <a:prstGeom prst="rect">
+            <a:avLst/>
+          </a:prstGeom>
+          <a:noFill/>
+          <a:ln w="9525">
+            <a:noFill/>
+            <a:headEnd/>
+            <a:tailEnd/>
+          </a:ln>
+        </p:spPr>
+      </p:pic>
+    </p:spTree>
+  </p:cSld>
+</p:sld>
+</file>
+
+<file path=ppt/slides/slide21.xml><?xml version="1.0" encoding="utf-8"?>
+<p:sld xmlns:a="http://schemas.openxmlformats.org/drawingml/2006/main" xmlns:r="http://schemas.openxmlformats.org/officeDocument/2006/relationships" xmlns:p="http://schemas.openxmlformats.org/presentationml/2006/main">
+  <p:cSld>
+    <p:spTree>
+      <p:nvGrpSpPr>
+        <p:cNvPr id="1" name=""/>
+        <p:cNvGrpSpPr/>
+        <p:nvPr/>
+      </p:nvGrpSpPr>
+      <p:grpSpPr>
+        <a:xfrm>
+          <a:off x="0" y="0"/>
+          <a:ext cx="0" cy="0"/>
+          <a:chOff x="0" y="0"/>
+          <a:chExt cx="0" cy="0"/>
+        </a:xfrm>
+      </p:grpSpPr>
+      <p:sp>
+        <p:nvSpPr>
+          <p:cNvPr id="2" name="Title 1"/>
+          <p:cNvSpPr>
+            <a:spLocks noGrp="1"/>
+          </p:cNvSpPr>
+          <p:nvPr>
+            <p:ph type="title"/>
+          </p:nvPr>
+        </p:nvSpPr>
+        <p:spPr/>
+        <p:txBody>
+          <a:bodyPr/>
+          <a:lstStyle/>
+          <a:p>
+            <a:pPr lvl="0" marL="0" indent="0">
+              <a:buNone/>
+            </a:pPr>
+            <a:r>
+              <a:rPr/>
+              <a:t>Alternating</a:t>
+            </a:r>
+            <a:r>
+              <a:rPr/>
+              <a:t> </a:t>
+            </a:r>
+            <a:r>
+              <a:rPr/>
+              <a:t>surveys</a:t>
+            </a:r>
+            <a:r>
+              <a:rPr/>
+              <a:t> </a:t>
+            </a:r>
+            <a:r>
+              <a:rPr/>
+              <a:t>in</a:t>
+            </a:r>
+            <a:r>
+              <a:rPr/>
+              <a:t> </a:t>
+            </a:r>
+            <a:r>
+              <a:rPr/>
+              <a:t>alternate</a:t>
+            </a:r>
+            <a:r>
+              <a:rPr/>
+              <a:t> </a:t>
+            </a:r>
+            <a:r>
+              <a:rPr/>
+              <a:t>years</a:t>
+            </a:r>
+            <a:r>
+              <a:rPr/>
+              <a:t> </a:t>
+            </a:r>
+            <a:r>
+              <a:rPr/>
+              <a:t>(Q2)</a:t>
+            </a:r>
+          </a:p>
+        </p:txBody>
+      </p:sp>
+      <p:pic>
+        <p:nvPicPr>
+          <p:cNvPr descr="../stitching/stitch_iter_Q2.png" id="0" name="Picture 1"/>
+          <p:cNvPicPr>
+            <a:picLocks noGrp="1" noChangeAspect="1"/>
+          </p:cNvPicPr>
+          <p:nvPr/>
+        </p:nvPicPr>
+        <p:blipFill>
+          <a:blip r:embed="rId2"/>
+          <a:stretch>
+            <a:fillRect/>
+          </a:stretch>
+        </p:blipFill>
+        <p:spPr bwMode="auto">
+          <a:xfrm>
+            <a:off x="1574800" y="2159000"/>
+            <a:ext cx="6781800" cy="3873500"/>
+          </a:xfrm>
+          <a:prstGeom prst="rect">
+            <a:avLst/>
+          </a:prstGeom>
+          <a:noFill/>
+          <a:ln w="9525">
+            <a:noFill/>
+            <a:headEnd/>
+            <a:tailEnd/>
+          </a:ln>
+        </p:spPr>
+      </p:pic>
+    </p:spTree>
+  </p:cSld>
+</p:sld>
+</file>
+
+<file path=ppt/slides/slide22.xml><?xml version="1.0" encoding="utf-8"?>
+<p:sld xmlns:a="http://schemas.openxmlformats.org/drawingml/2006/main" xmlns:r="http://schemas.openxmlformats.org/officeDocument/2006/relationships" xmlns:p="http://schemas.openxmlformats.org/presentationml/2006/main">
+  <p:cSld>
+    <p:spTree>
+      <p:nvGrpSpPr>
+        <p:cNvPr id="1" name=""/>
+        <p:cNvGrpSpPr/>
+        <p:nvPr/>
+      </p:nvGrpSpPr>
+      <p:grpSpPr>
+        <a:xfrm>
+          <a:off x="0" y="0"/>
+          <a:ext cx="0" cy="0"/>
+          <a:chOff x="0" y="0"/>
+          <a:chExt cx="0" cy="0"/>
+        </a:xfrm>
+      </p:grpSpPr>
+      <p:sp>
+        <p:nvSpPr>
+          <p:cNvPr id="2" name="Title 1"/>
+          <p:cNvSpPr>
+            <a:spLocks noGrp="1"/>
+          </p:cNvSpPr>
+          <p:nvPr>
+            <p:ph type="title"/>
+          </p:nvPr>
+        </p:nvSpPr>
+        <p:spPr/>
+        <p:txBody>
+          <a:bodyPr/>
+          <a:lstStyle/>
+          <a:p>
+            <a:pPr lvl="0" marL="0" indent="0">
+              <a:buNone/>
+            </a:pPr>
+            <a:r>
+              <a:rPr/>
+              <a:t>Alternating</a:t>
+            </a:r>
+            <a:r>
+              <a:rPr/>
+              <a:t> </a:t>
+            </a:r>
+            <a:r>
+              <a:rPr/>
+              <a:t>surveys</a:t>
+            </a:r>
+            <a:r>
+              <a:rPr/>
+              <a:t> </a:t>
+            </a:r>
+            <a:r>
+              <a:rPr/>
+              <a:t>in</a:t>
+            </a:r>
+            <a:r>
+              <a:rPr/>
+              <a:t> </a:t>
+            </a:r>
+            <a:r>
+              <a:rPr/>
+              <a:t>alternate</a:t>
+            </a:r>
+            <a:r>
+              <a:rPr/>
+              <a:t> </a:t>
+            </a:r>
+            <a:r>
+              <a:rPr/>
+              <a:t>years</a:t>
+            </a:r>
+            <a:r>
+              <a:rPr/>
+              <a:t> </a:t>
+            </a:r>
+            <a:r>
+              <a:rPr/>
+              <a:t>(Q2)</a:t>
+            </a:r>
+          </a:p>
+        </p:txBody>
+      </p:sp>
+      <p:pic>
+        <p:nvPicPr>
+          <p:cNvPr descr="../stitching/stitch_iter_with_errorbar_Q2.png" id="0" name="Picture 1"/>
+          <p:cNvPicPr>
+            <a:picLocks noGrp="1" noChangeAspect="1"/>
+          </p:cNvPicPr>
+          <p:nvPr/>
+        </p:nvPicPr>
+        <p:blipFill>
+          <a:blip r:embed="rId2"/>
+          <a:stretch>
+            <a:fillRect/>
+          </a:stretch>
+        </p:blipFill>
+        <p:spPr bwMode="auto">
+          <a:xfrm>
+            <a:off x="1574800" y="2159000"/>
+            <a:ext cx="6781800" cy="3873500"/>
+          </a:xfrm>
+          <a:prstGeom prst="rect">
+            <a:avLst/>
+          </a:prstGeom>
+          <a:noFill/>
+          <a:ln w="9525">
+            <a:noFill/>
+            <a:headEnd/>
+            <a:tailEnd/>
+          </a:ln>
+        </p:spPr>
+      </p:pic>
+    </p:spTree>
+  </p:cSld>
+</p:sld>
+</file>
+
+<file path=ppt/slides/slide23.xml><?xml version="1.0" encoding="utf-8"?>
+<p:sld xmlns:a="http://schemas.openxmlformats.org/drawingml/2006/main" xmlns:r="http://schemas.openxmlformats.org/officeDocument/2006/relationships" xmlns:p="http://schemas.openxmlformats.org/presentationml/2006/main">
+  <p:cSld>
+    <p:spTree>
+      <p:nvGrpSpPr>
+        <p:cNvPr id="1" name=""/>
+        <p:cNvGrpSpPr/>
+        <p:nvPr/>
+      </p:nvGrpSpPr>
+      <p:grpSpPr>
+        <a:xfrm>
+          <a:off x="0" y="0"/>
+          <a:ext cx="0" cy="0"/>
+          <a:chOff x="0" y="0"/>
+          <a:chExt cx="0" cy="0"/>
+        </a:xfrm>
+      </p:grpSpPr>
+      <p:sp>
+        <p:nvSpPr>
+          <p:cNvPr id="2" name="Title 1"/>
+          <p:cNvSpPr>
+            <a:spLocks noGrp="1"/>
+          </p:cNvSpPr>
+          <p:nvPr>
+            <p:ph type="title"/>
+          </p:nvPr>
+        </p:nvSpPr>
+        <p:spPr/>
+        <p:txBody>
+          <a:bodyPr/>
+          <a:lstStyle/>
+          <a:p>
+            <a:pPr lvl="0" marL="0" indent="0">
+              <a:buNone/>
+            </a:pPr>
+            <a:r>
+              <a:rPr/>
+              <a:t>Alternating</a:t>
+            </a:r>
+            <a:r>
+              <a:rPr/>
+              <a:t> </a:t>
+            </a:r>
+            <a:r>
+              <a:rPr/>
+              <a:t>surveys</a:t>
+            </a:r>
+            <a:r>
+              <a:rPr/>
+              <a:t> </a:t>
+            </a:r>
+            <a:r>
+              <a:rPr/>
+              <a:t>in</a:t>
+            </a:r>
+            <a:r>
+              <a:rPr/>
+              <a:t> </a:t>
+            </a:r>
+            <a:r>
+              <a:rPr/>
+              <a:t>alternate</a:t>
+            </a:r>
+            <a:r>
+              <a:rPr/>
+              <a:t> </a:t>
+            </a:r>
+            <a:r>
+              <a:rPr/>
+              <a:t>years</a:t>
+            </a:r>
+            <a:r>
+              <a:rPr/>
+              <a:t> </a:t>
+            </a:r>
+            <a:r>
+              <a:rPr/>
+              <a:t>with</a:t>
+            </a:r>
+            <a:r>
+              <a:rPr/>
+              <a:t> </a:t>
+            </a:r>
+            <a:r>
+              <a:rPr/>
+              <a:t>a</a:t>
+            </a:r>
+            <a:r>
+              <a:rPr/>
+              <a:t> </a:t>
+            </a:r>
+            <a:r>
+              <a:rPr/>
+              <a:t>calibrating</a:t>
+            </a:r>
+            <a:r>
+              <a:rPr/>
+              <a:t> </a:t>
+            </a:r>
+            <a:r>
+              <a:rPr/>
+              <a:t>year,</a:t>
+            </a:r>
+            <a:r>
+              <a:rPr/>
+              <a:t> </a:t>
+            </a:r>
+            <a:r>
+              <a:rPr/>
+              <a:t>compare</a:t>
+            </a:r>
+            <a:r>
+              <a:rPr/>
+              <a:t> </a:t>
+            </a:r>
+            <a:r>
+              <a:rPr/>
+              <a:t>to</a:t>
+            </a:r>
+            <a:r>
+              <a:rPr/>
+              <a:t> </a:t>
+            </a:r>
+            <a:r>
+              <a:rPr/>
+              <a:t>global</a:t>
+            </a:r>
+            <a:r>
+              <a:rPr/>
+              <a:t> </a:t>
+            </a:r>
+            <a:r>
+              <a:rPr/>
+              <a:t>survey</a:t>
+            </a:r>
+            <a:r>
+              <a:rPr/>
+              <a:t> </a:t>
+            </a:r>
+            <a:r>
+              <a:rPr/>
+              <a:t>(Q4)</a:t>
+            </a:r>
+          </a:p>
+        </p:txBody>
+      </p:sp>
+      <p:pic>
+        <p:nvPicPr>
+          <p:cNvPr descr="../stitching/stitch_iter_Q4.png" id="0" name="Picture 1"/>
+          <p:cNvPicPr>
+            <a:picLocks noGrp="1" noChangeAspect="1"/>
+          </p:cNvPicPr>
+          <p:nvPr/>
+        </p:nvPicPr>
+        <p:blipFill>
+          <a:blip r:embed="rId2"/>
+          <a:stretch>
+            <a:fillRect/>
+          </a:stretch>
+        </p:blipFill>
+        <p:spPr bwMode="auto">
+          <a:xfrm>
+            <a:off x="1574800" y="2159000"/>
+            <a:ext cx="6781800" cy="3873500"/>
+          </a:xfrm>
+          <a:prstGeom prst="rect">
+            <a:avLst/>
+          </a:prstGeom>
+          <a:noFill/>
+          <a:ln w="9525">
+            <a:noFill/>
+            <a:headEnd/>
+            <a:tailEnd/>
+          </a:ln>
+        </p:spPr>
+      </p:pic>
+    </p:spTree>
+  </p:cSld>
+</p:sld>
+</file>
+
+<file path=ppt/slides/slide24.xml><?xml version="1.0" encoding="utf-8"?>
+<p:sld xmlns:a="http://schemas.openxmlformats.org/drawingml/2006/main" xmlns:r="http://schemas.openxmlformats.org/officeDocument/2006/relationships" xmlns:p="http://schemas.openxmlformats.org/presentationml/2006/main">
+  <p:cSld>
+    <p:spTree>
+      <p:nvGrpSpPr>
+        <p:cNvPr id="1" name=""/>
+        <p:cNvGrpSpPr/>
+        <p:nvPr/>
+      </p:nvGrpSpPr>
+      <p:grpSpPr>
+        <a:xfrm>
+          <a:off x="0" y="0"/>
+          <a:ext cx="0" cy="0"/>
+          <a:chOff x="0" y="0"/>
+          <a:chExt cx="0" cy="0"/>
+        </a:xfrm>
+      </p:grpSpPr>
+      <p:sp>
+        <p:nvSpPr>
+          <p:cNvPr id="2" name="Title 1"/>
+          <p:cNvSpPr>
+            <a:spLocks noGrp="1"/>
+          </p:cNvSpPr>
+          <p:nvPr>
+            <p:ph type="title"/>
+          </p:nvPr>
+        </p:nvSpPr>
+        <p:spPr/>
+        <p:txBody>
+          <a:bodyPr/>
+          <a:lstStyle/>
+          <a:p>
+            <a:pPr lvl="0" marL="0" indent="0">
+              <a:buNone/>
+            </a:pPr>
+            <a:r>
+              <a:rPr/>
+              <a:t>Alternating</a:t>
+            </a:r>
+            <a:r>
+              <a:rPr/>
+              <a:t> </a:t>
+            </a:r>
+            <a:r>
+              <a:rPr/>
+              <a:t>surveys</a:t>
+            </a:r>
+            <a:r>
+              <a:rPr/>
+              <a:t> </a:t>
+            </a:r>
+            <a:r>
+              <a:rPr/>
+              <a:t>in</a:t>
+            </a:r>
+            <a:r>
+              <a:rPr/>
+              <a:t> </a:t>
+            </a:r>
+            <a:r>
+              <a:rPr/>
+              <a:t>alternate</a:t>
+            </a:r>
+            <a:r>
+              <a:rPr/>
+              <a:t> </a:t>
+            </a:r>
+            <a:r>
+              <a:rPr/>
+              <a:t>years</a:t>
+            </a:r>
+            <a:r>
+              <a:rPr/>
+              <a:t> </a:t>
+            </a:r>
+            <a:r>
+              <a:rPr/>
+              <a:t>with</a:t>
+            </a:r>
+            <a:r>
+              <a:rPr/>
+              <a:t> </a:t>
+            </a:r>
+            <a:r>
+              <a:rPr/>
+              <a:t>a</a:t>
+            </a:r>
+            <a:r>
+              <a:rPr/>
+              <a:t> </a:t>
+            </a:r>
+            <a:r>
+              <a:rPr/>
+              <a:t>calibrating</a:t>
+            </a:r>
+            <a:r>
+              <a:rPr/>
+              <a:t> </a:t>
+            </a:r>
+            <a:r>
+              <a:rPr/>
+              <a:t>year,</a:t>
+            </a:r>
+            <a:r>
+              <a:rPr/>
+              <a:t> </a:t>
+            </a:r>
+            <a:r>
+              <a:rPr/>
+              <a:t>compare</a:t>
+            </a:r>
+            <a:r>
+              <a:rPr/>
+              <a:t> </a:t>
+            </a:r>
+            <a:r>
+              <a:rPr/>
+              <a:t>to</a:t>
+            </a:r>
+            <a:r>
+              <a:rPr/>
+              <a:t> </a:t>
+            </a:r>
+            <a:r>
+              <a:rPr/>
+              <a:t>global</a:t>
+            </a:r>
+            <a:r>
+              <a:rPr/>
+              <a:t> </a:t>
+            </a:r>
+            <a:r>
+              <a:rPr/>
+              <a:t>survey</a:t>
+            </a:r>
+            <a:r>
+              <a:rPr/>
+              <a:t> </a:t>
+            </a:r>
+            <a:r>
+              <a:rPr/>
+              <a:t>(Q4)</a:t>
+            </a:r>
+          </a:p>
+        </p:txBody>
+      </p:sp>
+      <p:pic>
+        <p:nvPicPr>
+          <p:cNvPr descr="../stitching/stitch_iter_with_errorbar_Q4.png" id="0" name="Picture 1"/>
+          <p:cNvPicPr>
+            <a:picLocks noGrp="1" noChangeAspect="1"/>
+          </p:cNvPicPr>
+          <p:nvPr/>
+        </p:nvPicPr>
+        <p:blipFill>
+          <a:blip r:embed="rId2"/>
+          <a:stretch>
+            <a:fillRect/>
+          </a:stretch>
+        </p:blipFill>
+        <p:spPr bwMode="auto">
+          <a:xfrm>
+            <a:off x="1574800" y="2159000"/>
+            <a:ext cx="6781800" cy="3873500"/>
+          </a:xfrm>
+          <a:prstGeom prst="rect">
+            <a:avLst/>
+          </a:prstGeom>
+          <a:noFill/>
+          <a:ln w="9525">
+            <a:noFill/>
+            <a:headEnd/>
+            <a:tailEnd/>
+          </a:ln>
+        </p:spPr>
+      </p:pic>
+    </p:spTree>
+  </p:cSld>
+</p:sld>
+</file>
+
+<file path=ppt/slides/slide25.xml><?xml version="1.0" encoding="utf-8"?>
+<p:sld xmlns:a="http://schemas.openxmlformats.org/drawingml/2006/main" xmlns:r="http://schemas.openxmlformats.org/officeDocument/2006/relationships" xmlns:p="http://schemas.openxmlformats.org/presentationml/2006/main">
+  <p:cSld>
+    <p:spTree>
+      <p:nvGrpSpPr>
+        <p:cNvPr id="1" name=""/>
+        <p:cNvGrpSpPr/>
+        <p:nvPr/>
+      </p:nvGrpSpPr>
+      <p:grpSpPr>
+        <a:xfrm>
+          <a:off x="0" y="0"/>
+          <a:ext cx="0" cy="0"/>
+          <a:chOff x="0" y="0"/>
+          <a:chExt cx="0" cy="0"/>
+        </a:xfrm>
+      </p:grpSpPr>
+      <p:sp>
+        <p:nvSpPr>
+          <p:cNvPr id="2" name="Title 1"/>
+          <p:cNvSpPr>
+            <a:spLocks noGrp="1"/>
+          </p:cNvSpPr>
+          <p:nvPr>
+            <p:ph type="title"/>
+          </p:nvPr>
+        </p:nvSpPr>
+        <p:spPr/>
+        <p:txBody>
+          <a:bodyPr/>
+          <a:lstStyle/>
+          <a:p>
+            <a:pPr lvl="0" marL="0" indent="0">
+              <a:buNone/>
+            </a:pPr>
+            <a:r>
+              <a:rPr/>
+              <a:t>Coverage</a:t>
+            </a:r>
+            <a:r>
+              <a:rPr/>
+              <a:t> </a:t>
+            </a:r>
+            <a:r>
+              <a:rPr/>
+              <a:t>-</a:t>
+            </a:r>
+            <a:r>
+              <a:rPr/>
+              <a:t> </a:t>
+            </a:r>
+            <a:r>
+              <a:rPr/>
+              <a:t>Kotaro</a:t>
+            </a:r>
+          </a:p>
+        </p:txBody>
+      </p:sp>
+    </p:spTree>
+  </p:cSld>
+</p:sld>
+</file>
+
+<file path=ppt/slides/slide26.xml><?xml version="1.0" encoding="utf-8"?>
+<p:sld xmlns:a="http://schemas.openxmlformats.org/drawingml/2006/main" xmlns:r="http://schemas.openxmlformats.org/officeDocument/2006/relationships" xmlns:p="http://schemas.openxmlformats.org/presentationml/2006/main">
+  <p:cSld>
+    <p:spTree>
+      <p:nvGrpSpPr>
+        <p:cNvPr id="1" name=""/>
+        <p:cNvGrpSpPr/>
+        <p:nvPr/>
+      </p:nvGrpSpPr>
+      <p:grpSpPr>
+        <a:xfrm>
+          <a:off x="0" y="0"/>
+          <a:ext cx="0" cy="0"/>
+          <a:chOff x="0" y="0"/>
+          <a:chExt cx="0" cy="0"/>
+        </a:xfrm>
+      </p:grpSpPr>
+      <p:sp>
+        <p:nvSpPr>
+          <p:cNvPr id="2" name="Title 1"/>
+          <p:cNvSpPr>
+            <a:spLocks noGrp="1"/>
+          </p:cNvSpPr>
+          <p:nvPr>
+            <p:ph type="title"/>
+          </p:nvPr>
+        </p:nvSpPr>
+        <p:spPr/>
+        <p:txBody>
+          <a:bodyPr/>
+          <a:lstStyle/>
+          <a:p>
+            <a:pPr lvl="0" marL="0" indent="0">
+              <a:buNone/>
+            </a:pPr>
+            <a:r>
+              <a:rPr/>
+              <a:t>Covariates</a:t>
+            </a:r>
+            <a:r>
+              <a:rPr/>
+              <a:t> </a:t>
+            </a:r>
+            <a:r>
+              <a:rPr/>
+              <a:t>-</a:t>
+            </a:r>
+            <a:r>
+              <a:rPr/>
+              <a:t> </a:t>
+            </a:r>
+            <a:r>
+              <a:rPr/>
+              <a:t>Dan</a:t>
+            </a:r>
+          </a:p>
+        </p:txBody>
+      </p:sp>
+    </p:spTree>
+  </p:cSld>
+</p:sld>
+</file>
+
 <file path=ppt/slides/slide3.xml><?xml version="1.0" encoding="utf-8"?>
 <p:sld xmlns:a="http://schemas.openxmlformats.org/drawingml/2006/main" xmlns:r="http://schemas.openxmlformats.org/officeDocument/2006/relationships" xmlns:p="http://schemas.openxmlformats.org/presentationml/2006/main">
   <p:cSld>
@@ -8960,6 +10540,34 @@
               <a:t>Virtual setting</a:t>
             </a:r>
           </a:p>
+          <a:p>
+            <a:pPr lvl="1"/>
+            <a:r>
+              <a:rPr/>
+              <a:t>Black-box effect - reverse engineering what is going on</a:t>
+            </a:r>
+          </a:p>
+          <a:p>
+            <a:pPr lvl="1"/>
+            <a:r>
+              <a:rPr/>
+              <a:t>Computational demands</a:t>
+            </a:r>
+          </a:p>
+          <a:p>
+            <a:pPr lvl="1"/>
+            <a:r>
+              <a:rPr/>
+              <a:t>Visualizing high-dimensional problem / summarizing results</a:t>
+            </a:r>
+          </a:p>
+          <a:p>
+            <a:pPr lvl="1"/>
+            <a:r>
+              <a:rPr/>
+              <a:t>Free-form structure - “This bog is thick and easy to get lost in”</a:t>
+            </a:r>
+          </a:p>
         </p:txBody>
       </p:sp>
     </p:spTree>
@@ -9037,6 +10645,29 @@
             <a:r>
               <a:rPr/>
               <a:t>get?</a:t>
+            </a:r>
+          </a:p>
+        </p:txBody>
+      </p:sp>
+      <p:sp>
+        <p:nvSpPr>
+          <p:cNvPr id="3" name="Content Placeholder 2"/>
+          <p:cNvSpPr>
+            <a:spLocks noGrp="1"/>
+          </p:cNvSpPr>
+          <p:nvPr>
+            <p:ph idx="1"/>
+          </p:nvPr>
+        </p:nvSpPr>
+        <p:spPr/>
+        <p:txBody>
+          <a:bodyPr/>
+          <a:lstStyle/>
+          <a:p>
+            <a:pPr lvl="1"/>
+            <a:r>
+              <a:rPr/>
+              <a:t>Lots of brainstorming, some preliminary results</a:t>
             </a:r>
           </a:p>
         </p:txBody>
